--- a/Day 7/SAP Build Training Day 7.pptx
+++ b/Day 7/SAP Build Training Day 7.pptx
@@ -5,10 +5,10 @@
     <p:sldMasterId id="2147483648" r:id="rId1"/>
   </p:sldMasterIdLst>
   <p:notesMasterIdLst>
-    <p:notesMasterId r:id="rId20"/>
+    <p:notesMasterId r:id="rId23"/>
   </p:notesMasterIdLst>
   <p:handoutMasterIdLst>
-    <p:handoutMasterId r:id="rId21"/>
+    <p:handoutMasterId r:id="rId24"/>
   </p:handoutMasterIdLst>
   <p:sldIdLst>
     <p:sldId id="256" r:id="rId2"/>
@@ -18,17 +18,20 @@
     <p:sldId id="308" r:id="rId6"/>
     <p:sldId id="309" r:id="rId7"/>
     <p:sldId id="331" r:id="rId8"/>
-    <p:sldId id="361" r:id="rId9"/>
-    <p:sldId id="332" r:id="rId10"/>
-    <p:sldId id="333" r:id="rId11"/>
-    <p:sldId id="335" r:id="rId12"/>
-    <p:sldId id="363" r:id="rId13"/>
-    <p:sldId id="364" r:id="rId14"/>
-    <p:sldId id="336" r:id="rId15"/>
-    <p:sldId id="337" r:id="rId16"/>
-    <p:sldId id="495" r:id="rId17"/>
-    <p:sldId id="496" r:id="rId18"/>
-    <p:sldId id="497" r:id="rId19"/>
+    <p:sldId id="498" r:id="rId9"/>
+    <p:sldId id="499" r:id="rId10"/>
+    <p:sldId id="500" r:id="rId11"/>
+    <p:sldId id="361" r:id="rId12"/>
+    <p:sldId id="332" r:id="rId13"/>
+    <p:sldId id="333" r:id="rId14"/>
+    <p:sldId id="335" r:id="rId15"/>
+    <p:sldId id="363" r:id="rId16"/>
+    <p:sldId id="364" r:id="rId17"/>
+    <p:sldId id="336" r:id="rId18"/>
+    <p:sldId id="337" r:id="rId19"/>
+    <p:sldId id="495" r:id="rId20"/>
+    <p:sldId id="496" r:id="rId21"/>
+    <p:sldId id="497" r:id="rId22"/>
   </p:sldIdLst>
   <p:sldSz cx="9144000" cy="5143500" type="screen16x9"/>
   <p:notesSz cx="6858000" cy="9144000"/>
@@ -872,7 +875,7 @@
                 <a:tabLst/>
                 <a:defRPr/>
               </a:pPr>
-              <a:t>18</a:t>
+              <a:t>21</a:t>
             </a:fld>
             <a:endParaRPr kumimoji="0" lang="en-US" sz="1200" b="0" i="0" u="none" strike="noStrike" kern="1200" cap="none" spc="0" normalizeH="0" baseline="0" noProof="0">
               <a:ln>
@@ -5173,6 +5176,748 @@
   <p:cSld>
     <p:spTree>
       <p:nvGrpSpPr>
+        <p:cNvPr id="1" name=""/>
+        <p:cNvGrpSpPr/>
+        <p:nvPr/>
+      </p:nvGrpSpPr>
+      <p:grpSpPr>
+        <a:xfrm>
+          <a:off x="0" y="0"/>
+          <a:ext cx="0" cy="0"/>
+          <a:chOff x="0" y="0"/>
+          <a:chExt cx="0" cy="0"/>
+        </a:xfrm>
+      </p:grpSpPr>
+      <p:sp>
+        <p:nvSpPr>
+          <p:cNvPr id="2" name="Footer Placeholder 1">
+            <a:extLst>
+              <a:ext uri="{FF2B5EF4-FFF2-40B4-BE49-F238E27FC236}">
+                <a16:creationId xmlns:a16="http://schemas.microsoft.com/office/drawing/2014/main" id="{C1FC83A0-B1DC-DD19-BA09-FC7E00DC15EE}"/>
+              </a:ext>
+            </a:extLst>
+          </p:cNvPr>
+          <p:cNvSpPr>
+            <a:spLocks noGrp="1"/>
+          </p:cNvSpPr>
+          <p:nvPr>
+            <p:ph type="ftr" sz="quarter" idx="11"/>
+          </p:nvPr>
+        </p:nvSpPr>
+        <p:spPr/>
+        <p:txBody>
+          <a:bodyPr/>
+          <a:lstStyle/>
+          <a:p>
+            <a:r>
+              <a:rPr lang="en-US"/>
+              <a:t>www.anubhavtrainings.com</a:t>
+            </a:r>
+            <a:endParaRPr lang="en-US" dirty="0"/>
+          </a:p>
+        </p:txBody>
+      </p:sp>
+      <p:sp>
+        <p:nvSpPr>
+          <p:cNvPr id="3" name="Slide Number Placeholder 2">
+            <a:extLst>
+              <a:ext uri="{FF2B5EF4-FFF2-40B4-BE49-F238E27FC236}">
+                <a16:creationId xmlns:a16="http://schemas.microsoft.com/office/drawing/2014/main" id="{0DCBD2CE-9110-8A36-A2D3-4D504C93D406}"/>
+              </a:ext>
+            </a:extLst>
+          </p:cNvPr>
+          <p:cNvSpPr>
+            <a:spLocks noGrp="1"/>
+          </p:cNvSpPr>
+          <p:nvPr>
+            <p:ph type="sldNum" sz="quarter" idx="12"/>
+          </p:nvPr>
+        </p:nvSpPr>
+        <p:spPr/>
+        <p:txBody>
+          <a:bodyPr/>
+          <a:lstStyle/>
+          <a:p>
+            <a:fld id="{B6F15528-21DE-4FAA-801E-634DDDAF4B2B}" type="slidenum">
+              <a:rPr lang="en-US" smtClean="0"/>
+              <a:pPr/>
+              <a:t>10</a:t>
+            </a:fld>
+            <a:endParaRPr lang="en-US"/>
+          </a:p>
+        </p:txBody>
+      </p:sp>
+      <p:sp>
+        <p:nvSpPr>
+          <p:cNvPr id="4" name="Title 3">
+            <a:extLst>
+              <a:ext uri="{FF2B5EF4-FFF2-40B4-BE49-F238E27FC236}">
+                <a16:creationId xmlns:a16="http://schemas.microsoft.com/office/drawing/2014/main" id="{B04F1C49-B866-F100-ECD9-481CDDF0EDB8}"/>
+              </a:ext>
+            </a:extLst>
+          </p:cNvPr>
+          <p:cNvSpPr>
+            <a:spLocks noGrp="1"/>
+          </p:cNvSpPr>
+          <p:nvPr>
+            <p:ph type="title"/>
+          </p:nvPr>
+        </p:nvSpPr>
+        <p:spPr/>
+        <p:txBody>
+          <a:bodyPr/>
+          <a:lstStyle/>
+          <a:p>
+            <a:r>
+              <a:rPr lang="en-IN" dirty="0"/>
+              <a:t>Adding Decision</a:t>
+            </a:r>
+          </a:p>
+        </p:txBody>
+      </p:sp>
+      <p:pic>
+        <p:nvPicPr>
+          <p:cNvPr id="6" name="Picture 5">
+            <a:extLst>
+              <a:ext uri="{FF2B5EF4-FFF2-40B4-BE49-F238E27FC236}">
+                <a16:creationId xmlns:a16="http://schemas.microsoft.com/office/drawing/2014/main" id="{941873B1-8571-1BC9-AFD9-6D3107F5CFF3}"/>
+              </a:ext>
+            </a:extLst>
+          </p:cNvPr>
+          <p:cNvPicPr>
+            <a:picLocks noChangeAspect="1"/>
+          </p:cNvPicPr>
+          <p:nvPr/>
+        </p:nvPicPr>
+        <p:blipFill>
+          <a:blip r:embed="rId2"/>
+          <a:stretch>
+            <a:fillRect/>
+          </a:stretch>
+        </p:blipFill>
+        <p:spPr>
+          <a:xfrm>
+            <a:off x="152400" y="819150"/>
+            <a:ext cx="5710458" cy="2293296"/>
+          </a:xfrm>
+          <a:prstGeom prst="rect">
+            <a:avLst/>
+          </a:prstGeom>
+        </p:spPr>
+      </p:pic>
+      <p:pic>
+        <p:nvPicPr>
+          <p:cNvPr id="8" name="Picture 7">
+            <a:extLst>
+              <a:ext uri="{FF2B5EF4-FFF2-40B4-BE49-F238E27FC236}">
+                <a16:creationId xmlns:a16="http://schemas.microsoft.com/office/drawing/2014/main" id="{1BC9FE01-03B0-A615-5DB9-B689C353C472}"/>
+              </a:ext>
+            </a:extLst>
+          </p:cNvPr>
+          <p:cNvPicPr>
+            <a:picLocks noChangeAspect="1"/>
+          </p:cNvPicPr>
+          <p:nvPr/>
+        </p:nvPicPr>
+        <p:blipFill>
+          <a:blip r:embed="rId3"/>
+          <a:stretch>
+            <a:fillRect/>
+          </a:stretch>
+        </p:blipFill>
+        <p:spPr>
+          <a:xfrm>
+            <a:off x="1752600" y="3207530"/>
+            <a:ext cx="5365055" cy="1852462"/>
+          </a:xfrm>
+          <a:prstGeom prst="rect">
+            <a:avLst/>
+          </a:prstGeom>
+        </p:spPr>
+      </p:pic>
+      <p:pic>
+        <p:nvPicPr>
+          <p:cNvPr id="10" name="Picture 9">
+            <a:extLst>
+              <a:ext uri="{FF2B5EF4-FFF2-40B4-BE49-F238E27FC236}">
+                <a16:creationId xmlns:a16="http://schemas.microsoft.com/office/drawing/2014/main" id="{E1ED3943-5154-BBA2-3716-A32066E53DDD}"/>
+              </a:ext>
+            </a:extLst>
+          </p:cNvPr>
+          <p:cNvPicPr>
+            <a:picLocks noChangeAspect="1"/>
+          </p:cNvPicPr>
+          <p:nvPr/>
+        </p:nvPicPr>
+        <p:blipFill>
+          <a:blip r:embed="rId4"/>
+          <a:srcRect r="47464"/>
+          <a:stretch>
+            <a:fillRect/>
+          </a:stretch>
+        </p:blipFill>
+        <p:spPr>
+          <a:xfrm>
+            <a:off x="6128873" y="603750"/>
+            <a:ext cx="2525053" cy="2742981"/>
+          </a:xfrm>
+          <a:prstGeom prst="rect">
+            <a:avLst/>
+          </a:prstGeom>
+        </p:spPr>
+      </p:pic>
+    </p:spTree>
+    <p:extLst>
+      <p:ext uri="{BB962C8B-B14F-4D97-AF65-F5344CB8AC3E}">
+        <p14:creationId xmlns:p14="http://schemas.microsoft.com/office/powerpoint/2010/main" val="2603094237"/>
+      </p:ext>
+    </p:extLst>
+  </p:cSld>
+  <p:clrMapOvr>
+    <a:masterClrMapping/>
+  </p:clrMapOvr>
+</p:sld>
+</file>
+
+<file path=ppt/slides/slide11.xml><?xml version="1.0" encoding="utf-8"?>
+<p:sld xmlns:a="http://schemas.openxmlformats.org/drawingml/2006/main" xmlns:r="http://schemas.openxmlformats.org/officeDocument/2006/relationships" xmlns:p="http://schemas.openxmlformats.org/presentationml/2006/main">
+  <p:cSld>
+    <p:spTree>
+      <p:nvGrpSpPr>
+        <p:cNvPr id="1" name=""/>
+        <p:cNvGrpSpPr/>
+        <p:nvPr/>
+      </p:nvGrpSpPr>
+      <p:grpSpPr>
+        <a:xfrm>
+          <a:off x="0" y="0"/>
+          <a:ext cx="0" cy="0"/>
+          <a:chOff x="0" y="0"/>
+          <a:chExt cx="0" cy="0"/>
+        </a:xfrm>
+      </p:grpSpPr>
+      <p:pic>
+        <p:nvPicPr>
+          <p:cNvPr id="6" name="Picture 5" descr="A screenshot of a chat&#10;&#10;Description automatically generated">
+            <a:extLst>
+              <a:ext uri="{FF2B5EF4-FFF2-40B4-BE49-F238E27FC236}">
+                <a16:creationId xmlns:a16="http://schemas.microsoft.com/office/drawing/2014/main" id="{944F162E-1572-4344-71D5-B384D9065509}"/>
+              </a:ext>
+            </a:extLst>
+          </p:cNvPr>
+          <p:cNvPicPr>
+            <a:picLocks noChangeAspect="1"/>
+          </p:cNvPicPr>
+          <p:nvPr/>
+        </p:nvPicPr>
+        <p:blipFill>
+          <a:blip r:embed="rId2"/>
+          <a:stretch>
+            <a:fillRect/>
+          </a:stretch>
+        </p:blipFill>
+        <p:spPr>
+          <a:xfrm>
+            <a:off x="914400" y="102393"/>
+            <a:ext cx="6894101" cy="4705223"/>
+          </a:xfrm>
+          <a:prstGeom prst="rect">
+            <a:avLst/>
+          </a:prstGeom>
+          <a:noFill/>
+        </p:spPr>
+      </p:pic>
+      <p:sp>
+        <p:nvSpPr>
+          <p:cNvPr id="2" name="Footer Placeholder 1">
+            <a:extLst>
+              <a:ext uri="{FF2B5EF4-FFF2-40B4-BE49-F238E27FC236}">
+                <a16:creationId xmlns:a16="http://schemas.microsoft.com/office/drawing/2014/main" id="{2FC6488B-AC32-54D1-E589-6EB67A482711}"/>
+              </a:ext>
+            </a:extLst>
+          </p:cNvPr>
+          <p:cNvSpPr>
+            <a:spLocks noGrp="1"/>
+          </p:cNvSpPr>
+          <p:nvPr>
+            <p:ph type="ftr" sz="quarter" idx="11"/>
+          </p:nvPr>
+        </p:nvSpPr>
+        <p:spPr/>
+        <p:txBody>
+          <a:bodyPr/>
+          <a:lstStyle/>
+          <a:p>
+            <a:pPr>
+              <a:spcAft>
+                <a:spcPts val="600"/>
+              </a:spcAft>
+            </a:pPr>
+            <a:r>
+              <a:rPr lang="en-US"/>
+              <a:t>www.anubhavtrainings.com</a:t>
+            </a:r>
+          </a:p>
+        </p:txBody>
+      </p:sp>
+      <p:sp>
+        <p:nvSpPr>
+          <p:cNvPr id="3" name="Slide Number Placeholder 2" hidden="1">
+            <a:extLst>
+              <a:ext uri="{FF2B5EF4-FFF2-40B4-BE49-F238E27FC236}">
+                <a16:creationId xmlns:a16="http://schemas.microsoft.com/office/drawing/2014/main" id="{4C67BC17-FD93-4632-42E9-B2D4515507C4}"/>
+              </a:ext>
+            </a:extLst>
+          </p:cNvPr>
+          <p:cNvSpPr>
+            <a:spLocks noGrp="1"/>
+          </p:cNvSpPr>
+          <p:nvPr>
+            <p:ph type="sldNum" sz="quarter" idx="12"/>
+          </p:nvPr>
+        </p:nvSpPr>
+        <p:spPr/>
+        <p:txBody>
+          <a:bodyPr/>
+          <a:lstStyle/>
+          <a:p>
+            <a:pPr>
+              <a:spcAft>
+                <a:spcPts val="600"/>
+              </a:spcAft>
+            </a:pPr>
+            <a:fld id="{B6F15528-21DE-4FAA-801E-634DDDAF4B2B}" type="slidenum">
+              <a:rPr lang="en-US" smtClean="0"/>
+              <a:pPr>
+                <a:spcAft>
+                  <a:spcPts val="600"/>
+                </a:spcAft>
+              </a:pPr>
+              <a:t>11</a:t>
+            </a:fld>
+            <a:endParaRPr lang="en-US"/>
+          </a:p>
+        </p:txBody>
+      </p:sp>
+    </p:spTree>
+    <p:extLst>
+      <p:ext uri="{BB962C8B-B14F-4D97-AF65-F5344CB8AC3E}">
+        <p14:creationId xmlns:p14="http://schemas.microsoft.com/office/powerpoint/2010/main" val="691396048"/>
+      </p:ext>
+    </p:extLst>
+  </p:cSld>
+  <p:clrMapOvr>
+    <a:masterClrMapping/>
+  </p:clrMapOvr>
+</p:sld>
+</file>
+
+<file path=ppt/slides/slide12.xml><?xml version="1.0" encoding="utf-8"?>
+<p:sld xmlns:a="http://schemas.openxmlformats.org/drawingml/2006/main" xmlns:r="http://schemas.openxmlformats.org/officeDocument/2006/relationships" xmlns:p="http://schemas.openxmlformats.org/presentationml/2006/main">
+  <p:cSld>
+    <p:spTree>
+      <p:nvGrpSpPr>
+        <p:cNvPr id="1" name="">
+          <a:extLst>
+            <a:ext uri="{FF2B5EF4-FFF2-40B4-BE49-F238E27FC236}">
+              <a16:creationId xmlns:a16="http://schemas.microsoft.com/office/drawing/2014/main" id="{56E10C65-8268-5C0C-6B14-3574A6CF3404}"/>
+            </a:ext>
+          </a:extLst>
+        </p:cNvPr>
+        <p:cNvGrpSpPr/>
+        <p:nvPr/>
+      </p:nvGrpSpPr>
+      <p:grpSpPr>
+        <a:xfrm>
+          <a:off x="0" y="0"/>
+          <a:ext cx="0" cy="0"/>
+          <a:chOff x="0" y="0"/>
+          <a:chExt cx="0" cy="0"/>
+        </a:xfrm>
+      </p:grpSpPr>
+      <p:sp>
+        <p:nvSpPr>
+          <p:cNvPr id="12" name="Title 1">
+            <a:extLst>
+              <a:ext uri="{FF2B5EF4-FFF2-40B4-BE49-F238E27FC236}">
+                <a16:creationId xmlns:a16="http://schemas.microsoft.com/office/drawing/2014/main" id="{1D2C7872-5EFD-E551-3327-DAD8B8D59CD7}"/>
+              </a:ext>
+            </a:extLst>
+          </p:cNvPr>
+          <p:cNvSpPr>
+            <a:spLocks noGrp="1"/>
+          </p:cNvSpPr>
+          <p:nvPr>
+            <p:ph type="title"/>
+          </p:nvPr>
+        </p:nvSpPr>
+        <p:spPr>
+          <a:xfrm>
+            <a:off x="457200" y="57150"/>
+            <a:ext cx="8229600" cy="609601"/>
+          </a:xfrm>
+        </p:spPr>
+        <p:txBody>
+          <a:bodyPr/>
+          <a:lstStyle/>
+          <a:p>
+            <a:r>
+              <a:rPr lang="en-US" dirty="0">
+                <a:latin typeface="Cooper Black" panose="0208090404030B020404" pitchFamily="18" charset="0"/>
+              </a:rPr>
+              <a:t>Build Process Scenario 2 – Script Task</a:t>
+            </a:r>
+          </a:p>
+        </p:txBody>
+      </p:sp>
+      <p:sp>
+        <p:nvSpPr>
+          <p:cNvPr id="3" name="Footer Placeholder 2">
+            <a:extLst>
+              <a:ext uri="{FF2B5EF4-FFF2-40B4-BE49-F238E27FC236}">
+                <a16:creationId xmlns:a16="http://schemas.microsoft.com/office/drawing/2014/main" id="{CFE5CB23-0BC8-1C8D-171B-57573FC97C53}"/>
+              </a:ext>
+            </a:extLst>
+          </p:cNvPr>
+          <p:cNvSpPr>
+            <a:spLocks noGrp="1"/>
+          </p:cNvSpPr>
+          <p:nvPr>
+            <p:ph type="ftr" sz="quarter" idx="11"/>
+          </p:nvPr>
+        </p:nvSpPr>
+        <p:spPr>
+          <a:xfrm>
+            <a:off x="3124200" y="4767263"/>
+            <a:ext cx="2895600" cy="273844"/>
+          </a:xfrm>
+        </p:spPr>
+        <p:txBody>
+          <a:bodyPr vert="horz" lIns="91440" tIns="45720" rIns="91440" bIns="45720" rtlCol="0" anchor="ctr">
+            <a:normAutofit/>
+          </a:bodyPr>
+          <a:lstStyle/>
+          <a:p>
+            <a:pPr>
+              <a:lnSpc>
+                <a:spcPct val="90000"/>
+              </a:lnSpc>
+              <a:spcAft>
+                <a:spcPts val="600"/>
+              </a:spcAft>
+            </a:pPr>
+            <a:r>
+              <a:rPr lang="en-US" kern="1200">
+                <a:latin typeface="+mn-lt"/>
+                <a:ea typeface="+mn-ea"/>
+                <a:cs typeface="+mn-cs"/>
+              </a:rPr>
+              <a:t>www.anubhavtrainings.com</a:t>
+            </a:r>
+          </a:p>
+        </p:txBody>
+      </p:sp>
+      <p:sp>
+        <p:nvSpPr>
+          <p:cNvPr id="4" name="Slide Number Placeholder 3">
+            <a:extLst>
+              <a:ext uri="{FF2B5EF4-FFF2-40B4-BE49-F238E27FC236}">
+                <a16:creationId xmlns:a16="http://schemas.microsoft.com/office/drawing/2014/main" id="{2E4047B4-5C5D-E2AF-9F6B-531A9A2DB10C}"/>
+              </a:ext>
+            </a:extLst>
+          </p:cNvPr>
+          <p:cNvSpPr>
+            <a:spLocks noGrp="1"/>
+          </p:cNvSpPr>
+          <p:nvPr>
+            <p:ph type="sldNum" sz="quarter" idx="12"/>
+          </p:nvPr>
+        </p:nvSpPr>
+        <p:spPr>
+          <a:xfrm>
+            <a:off x="6553200" y="4767263"/>
+            <a:ext cx="2133600" cy="273844"/>
+          </a:xfrm>
+        </p:spPr>
+        <p:txBody>
+          <a:bodyPr vert="horz" lIns="91440" tIns="45720" rIns="91440" bIns="45720" rtlCol="0" anchor="ctr">
+            <a:normAutofit/>
+          </a:bodyPr>
+          <a:lstStyle/>
+          <a:p>
+            <a:pPr>
+              <a:lnSpc>
+                <a:spcPct val="90000"/>
+              </a:lnSpc>
+              <a:spcAft>
+                <a:spcPts val="600"/>
+              </a:spcAft>
+            </a:pPr>
+            <a:fld id="{B6F15528-21DE-4FAA-801E-634DDDAF4B2B}" type="slidenum">
+              <a:rPr lang="en-US" smtClean="0"/>
+              <a:pPr>
+                <a:lnSpc>
+                  <a:spcPct val="90000"/>
+                </a:lnSpc>
+                <a:spcAft>
+                  <a:spcPts val="600"/>
+                </a:spcAft>
+              </a:pPr>
+              <a:t>12</a:t>
+            </a:fld>
+            <a:endParaRPr lang="en-US" dirty="0"/>
+          </a:p>
+        </p:txBody>
+      </p:sp>
+      <p:sp>
+        <p:nvSpPr>
+          <p:cNvPr id="2" name="TextBox 1">
+            <a:extLst>
+              <a:ext uri="{FF2B5EF4-FFF2-40B4-BE49-F238E27FC236}">
+                <a16:creationId xmlns:a16="http://schemas.microsoft.com/office/drawing/2014/main" id="{917C7D5E-6995-ABF3-672F-302A98A43129}"/>
+              </a:ext>
+            </a:extLst>
+          </p:cNvPr>
+          <p:cNvSpPr txBox="1"/>
+          <p:nvPr/>
+        </p:nvSpPr>
+        <p:spPr>
+          <a:xfrm>
+            <a:off x="457200" y="971550"/>
+            <a:ext cx="5562600" cy="3733800"/>
+          </a:xfrm>
+          <a:prstGeom prst="rect">
+            <a:avLst/>
+          </a:prstGeom>
+        </p:spPr>
+        <p:txBody>
+          <a:bodyPr vert="horz" lIns="91440" tIns="45720" rIns="91440" bIns="45720" rtlCol="0">
+            <a:normAutofit/>
+          </a:bodyPr>
+          <a:lstStyle/>
+          <a:p>
+            <a:pPr>
+              <a:lnSpc>
+                <a:spcPct val="90000"/>
+              </a:lnSpc>
+              <a:spcBef>
+                <a:spcPct val="20000"/>
+              </a:spcBef>
+              <a:buFont typeface="Arial" pitchFamily="34" charset="0"/>
+            </a:pPr>
+            <a:r>
+              <a:rPr lang="en-US" sz="1600" dirty="0"/>
+              <a:t>Alex is a manager working in one of the top IT Company. He is being approached for every shopping cart request created by employees reporting to him. </a:t>
+            </a:r>
+          </a:p>
+          <a:p>
+            <a:pPr>
+              <a:lnSpc>
+                <a:spcPct val="90000"/>
+              </a:lnSpc>
+              <a:spcBef>
+                <a:spcPct val="20000"/>
+              </a:spcBef>
+              <a:buFont typeface="Arial" pitchFamily="34" charset="0"/>
+            </a:pPr>
+            <a:r>
+              <a:rPr lang="en-US" sz="1600" dirty="0"/>
+              <a:t>His key requirements are:</a:t>
+            </a:r>
+          </a:p>
+          <a:p>
+            <a:pPr>
+              <a:lnSpc>
+                <a:spcPct val="90000"/>
+              </a:lnSpc>
+              <a:spcBef>
+                <a:spcPct val="20000"/>
+              </a:spcBef>
+              <a:buFont typeface="Arial" pitchFamily="34" charset="0"/>
+            </a:pPr>
+            <a:endParaRPr lang="en-US" sz="1600" dirty="0"/>
+          </a:p>
+          <a:p>
+            <a:pPr marL="285750" indent="-285750">
+              <a:lnSpc>
+                <a:spcPct val="90000"/>
+              </a:lnSpc>
+              <a:spcBef>
+                <a:spcPct val="20000"/>
+              </a:spcBef>
+              <a:buFont typeface="Arial" panose="020B0604020202020204" pitchFamily="34" charset="0"/>
+              <a:buChar char="•"/>
+            </a:pPr>
+            <a:r>
+              <a:rPr lang="en-US" sz="1600" dirty="0"/>
+              <a:t>Design a process to automate the shopping cart for products available at the global API of our organization</a:t>
+            </a:r>
+          </a:p>
+          <a:p>
+            <a:pPr marL="285750" indent="-285750">
+              <a:lnSpc>
+                <a:spcPct val="90000"/>
+              </a:lnSpc>
+              <a:spcBef>
+                <a:spcPct val="20000"/>
+              </a:spcBef>
+              <a:buFont typeface="Arial" panose="020B0604020202020204" pitchFamily="34" charset="0"/>
+              <a:buChar char="•"/>
+            </a:pPr>
+            <a:r>
+              <a:rPr lang="en-US" sz="1600" dirty="0"/>
+              <a:t>As part of the input user can request a discount % to each of the product</a:t>
+            </a:r>
+          </a:p>
+          <a:p>
+            <a:pPr marL="285750" indent="-285750">
+              <a:lnSpc>
+                <a:spcPct val="90000"/>
+              </a:lnSpc>
+              <a:spcBef>
+                <a:spcPct val="20000"/>
+              </a:spcBef>
+              <a:buFont typeface="Arial" panose="020B0604020202020204" pitchFamily="34" charset="0"/>
+              <a:buChar char="•"/>
+            </a:pPr>
+            <a:r>
+              <a:rPr lang="en-US" sz="1600" dirty="0"/>
+              <a:t>The approval should be sent parallelly to VP and manager with a table showing products and total value with discount</a:t>
+            </a:r>
+          </a:p>
+          <a:p>
+            <a:pPr marL="285750" indent="-285750">
+              <a:lnSpc>
+                <a:spcPct val="90000"/>
+              </a:lnSpc>
+              <a:spcBef>
+                <a:spcPct val="20000"/>
+              </a:spcBef>
+              <a:buFont typeface="Arial" panose="020B0604020202020204" pitchFamily="34" charset="0"/>
+              <a:buChar char="•"/>
+            </a:pPr>
+            <a:r>
+              <a:rPr lang="en-US" sz="1600" dirty="0"/>
+              <a:t>Once both the manager and VP approves the requests, an approval email will be sent to requestor</a:t>
+            </a:r>
+          </a:p>
+          <a:p>
+            <a:pPr marL="285750" indent="-285750">
+              <a:lnSpc>
+                <a:spcPct val="90000"/>
+              </a:lnSpc>
+              <a:spcBef>
+                <a:spcPct val="20000"/>
+              </a:spcBef>
+              <a:buFont typeface="Arial" panose="020B0604020202020204" pitchFamily="34" charset="0"/>
+              <a:buChar char="•"/>
+            </a:pPr>
+            <a:r>
+              <a:rPr lang="en-US" sz="1600" dirty="0"/>
+              <a:t>If VP do not take action on shopping cart request for more than 5 minutes, we should proceed w/o approval</a:t>
+            </a:r>
+          </a:p>
+          <a:p>
+            <a:pPr>
+              <a:lnSpc>
+                <a:spcPct val="90000"/>
+              </a:lnSpc>
+              <a:spcBef>
+                <a:spcPct val="20000"/>
+              </a:spcBef>
+              <a:buFont typeface="Arial" pitchFamily="34" charset="0"/>
+            </a:pPr>
+            <a:endParaRPr lang="en-US" sz="1600" dirty="0"/>
+          </a:p>
+          <a:p>
+            <a:pPr>
+              <a:lnSpc>
+                <a:spcPct val="90000"/>
+              </a:lnSpc>
+              <a:spcBef>
+                <a:spcPct val="20000"/>
+              </a:spcBef>
+              <a:buFont typeface="Arial" pitchFamily="34" charset="0"/>
+            </a:pPr>
+            <a:endParaRPr lang="en-US" sz="1600" dirty="0"/>
+          </a:p>
+        </p:txBody>
+      </p:sp>
+      <p:pic>
+        <p:nvPicPr>
+          <p:cNvPr id="7" name="Picture 2" descr="Man manager administrator consultant avatar Vector Image">
+            <a:extLst>
+              <a:ext uri="{FF2B5EF4-FFF2-40B4-BE49-F238E27FC236}">
+                <a16:creationId xmlns:a16="http://schemas.microsoft.com/office/drawing/2014/main" id="{4AC7C739-318E-FEFA-276D-5B93FC59F2D0}"/>
+              </a:ext>
+            </a:extLst>
+          </p:cNvPr>
+          <p:cNvPicPr>
+            <a:picLocks noChangeAspect="1" noChangeArrowheads="1"/>
+          </p:cNvPicPr>
+          <p:nvPr/>
+        </p:nvPicPr>
+        <p:blipFill rotWithShape="1">
+          <a:blip r:embed="rId2" cstate="print">
+            <a:extLst>
+              <a:ext uri="{28A0092B-C50C-407E-A947-70E740481C1C}">
+                <a14:useLocalDpi xmlns:a14="http://schemas.microsoft.com/office/drawing/2010/main" val="0"/>
+              </a:ext>
+            </a:extLst>
+          </a:blip>
+          <a:srcRect l="9218" t="8000" r="11483" b="18500"/>
+          <a:stretch/>
+        </p:blipFill>
+        <p:spPr bwMode="auto">
+          <a:xfrm>
+            <a:off x="5943600" y="1276350"/>
+            <a:ext cx="2609498" cy="2664296"/>
+          </a:xfrm>
+          <a:prstGeom prst="rect">
+            <a:avLst/>
+          </a:prstGeom>
+          <a:noFill/>
+          <a:extLst>
+            <a:ext uri="{909E8E84-426E-40DD-AFC4-6F175D3DCCD1}">
+              <a14:hiddenFill xmlns:a14="http://schemas.microsoft.com/office/drawing/2010/main">
+                <a:solidFill>
+                  <a:srgbClr val="FFFFFF"/>
+                </a:solidFill>
+              </a14:hiddenFill>
+            </a:ext>
+          </a:extLst>
+        </p:spPr>
+      </p:pic>
+    </p:spTree>
+    <p:extLst>
+      <p:ext uri="{BB962C8B-B14F-4D97-AF65-F5344CB8AC3E}">
+        <p14:creationId xmlns:p14="http://schemas.microsoft.com/office/powerpoint/2010/main" val="3697441547"/>
+      </p:ext>
+    </p:extLst>
+  </p:cSld>
+  <p:clrMapOvr>
+    <a:masterClrMapping/>
+  </p:clrMapOvr>
+  <mc:AlternateContent xmlns:mc="http://schemas.openxmlformats.org/markup-compatibility/2006" xmlns:p14="http://schemas.microsoft.com/office/powerpoint/2010/main">
+    <mc:Choice Requires="p14">
+      <p:transition spd="med" p14:dur="700">
+        <p:fade/>
+      </p:transition>
+    </mc:Choice>
+    <mc:Fallback xmlns="">
+      <p:transition spd="med">
+        <p:fade/>
+      </p:transition>
+    </mc:Fallback>
+  </mc:AlternateContent>
+</p:sld>
+</file>
+
+<file path=ppt/slides/slide13.xml><?xml version="1.0" encoding="utf-8"?>
+<p:sld xmlns:a="http://schemas.openxmlformats.org/drawingml/2006/main" xmlns:r="http://schemas.openxmlformats.org/officeDocument/2006/relationships" xmlns:p="http://schemas.openxmlformats.org/presentationml/2006/main">
+  <p:cSld>
+    <p:spTree>
+      <p:nvGrpSpPr>
         <p:cNvPr id="1" name="">
           <a:extLst>
             <a:ext uri="{FF2B5EF4-FFF2-40B4-BE49-F238E27FC236}">
@@ -5248,7 +5993,7 @@
             <a:fld id="{B6F15528-21DE-4FAA-801E-634DDDAF4B2B}" type="slidenum">
               <a:rPr lang="en-US" smtClean="0"/>
               <a:pPr/>
-              <a:t>10</a:t>
+              <a:t>13</a:t>
             </a:fld>
             <a:endParaRPr lang="en-US" dirty="0"/>
           </a:p>
@@ -5901,7 +6646,7 @@
 </p:sld>
 </file>
 
-<file path=ppt/slides/slide11.xml><?xml version="1.0" encoding="utf-8"?>
+<file path=ppt/slides/slide14.xml><?xml version="1.0" encoding="utf-8"?>
 <p:sld xmlns:a="http://schemas.openxmlformats.org/drawingml/2006/main" xmlns:r="http://schemas.openxmlformats.org/officeDocument/2006/relationships" xmlns:p="http://schemas.openxmlformats.org/presentationml/2006/main">
   <p:cSld>
     <p:spTree>
@@ -5981,7 +6726,7 @@
             <a:fld id="{B6F15528-21DE-4FAA-801E-634DDDAF4B2B}" type="slidenum">
               <a:rPr lang="en-US" smtClean="0"/>
               <a:pPr/>
-              <a:t>11</a:t>
+              <a:t>14</a:t>
             </a:fld>
             <a:endParaRPr lang="en-US" dirty="0"/>
           </a:p>
@@ -6863,7 +7608,7 @@
 </p:sld>
 </file>
 
-<file path=ppt/slides/slide12.xml><?xml version="1.0" encoding="utf-8"?>
+<file path=ppt/slides/slide15.xml><?xml version="1.0" encoding="utf-8"?>
 <p:sld xmlns:a="http://schemas.openxmlformats.org/drawingml/2006/main" xmlns:r="http://schemas.openxmlformats.org/officeDocument/2006/relationships" xmlns:p="http://schemas.openxmlformats.org/presentationml/2006/main">
   <p:cSld>
     <p:spTree>
@@ -6933,7 +7678,7 @@
             <a:fld id="{B6F15528-21DE-4FAA-801E-634DDDAF4B2B}" type="slidenum">
               <a:rPr lang="en-US" smtClean="0"/>
               <a:pPr/>
-              <a:t>12</a:t>
+              <a:t>15</a:t>
             </a:fld>
             <a:endParaRPr lang="en-US"/>
           </a:p>
@@ -7168,7 +7913,7 @@
 </p:sld>
 </file>
 
-<file path=ppt/slides/slide13.xml><?xml version="1.0" encoding="utf-8"?>
+<file path=ppt/slides/slide16.xml><?xml version="1.0" encoding="utf-8"?>
 <p:sld xmlns:a="http://schemas.openxmlformats.org/drawingml/2006/main" xmlns:r="http://schemas.openxmlformats.org/officeDocument/2006/relationships" xmlns:p="http://schemas.openxmlformats.org/presentationml/2006/main">
   <p:cSld>
     <p:spTree>
@@ -7238,7 +7983,7 @@
             <a:fld id="{B6F15528-21DE-4FAA-801E-634DDDAF4B2B}" type="slidenum">
               <a:rPr lang="en-US" smtClean="0"/>
               <a:pPr/>
-              <a:t>13</a:t>
+              <a:t>16</a:t>
             </a:fld>
             <a:endParaRPr lang="en-US"/>
           </a:p>
@@ -7798,7 +8543,7 @@
 </p:sld>
 </file>
 
-<file path=ppt/slides/slide14.xml><?xml version="1.0" encoding="utf-8"?>
+<file path=ppt/slides/slide17.xml><?xml version="1.0" encoding="utf-8"?>
 <p:sld xmlns:a="http://schemas.openxmlformats.org/drawingml/2006/main" xmlns:r="http://schemas.openxmlformats.org/officeDocument/2006/relationships" xmlns:p="http://schemas.openxmlformats.org/presentationml/2006/main">
   <p:cSld>
     <p:spTree>
@@ -7878,7 +8623,7 @@
             <a:fld id="{B6F15528-21DE-4FAA-801E-634DDDAF4B2B}" type="slidenum">
               <a:rPr lang="en-US" smtClean="0"/>
               <a:pPr/>
-              <a:t>14</a:t>
+              <a:t>17</a:t>
             </a:fld>
             <a:endParaRPr lang="en-US" dirty="0"/>
           </a:p>
@@ -8136,7 +8881,7 @@
 </p:sld>
 </file>
 
-<file path=ppt/slides/slide15.xml><?xml version="1.0" encoding="utf-8"?>
+<file path=ppt/slides/slide18.xml><?xml version="1.0" encoding="utf-8"?>
 <p:sld xmlns:a="http://schemas.openxmlformats.org/drawingml/2006/main" xmlns:r="http://schemas.openxmlformats.org/officeDocument/2006/relationships" xmlns:p="http://schemas.openxmlformats.org/presentationml/2006/main">
   <p:cSld>
     <p:spTree>
@@ -8216,7 +8961,7 @@
             <a:fld id="{B6F15528-21DE-4FAA-801E-634DDDAF4B2B}" type="slidenum">
               <a:rPr lang="en-US" smtClean="0"/>
               <a:pPr/>
-              <a:t>15</a:t>
+              <a:t>18</a:t>
             </a:fld>
             <a:endParaRPr lang="en-US" dirty="0"/>
           </a:p>
@@ -8309,7 +9054,7 @@
 </p:sld>
 </file>
 
-<file path=ppt/slides/slide16.xml><?xml version="1.0" encoding="utf-8"?>
+<file path=ppt/slides/slide19.xml><?xml version="1.0" encoding="utf-8"?>
 <p:sld xmlns:a="http://schemas.openxmlformats.org/drawingml/2006/main" xmlns:r="http://schemas.openxmlformats.org/officeDocument/2006/relationships" xmlns:p="http://schemas.openxmlformats.org/presentationml/2006/main">
   <p:cSld>
     <p:spTree>
@@ -9303,7 +10048,419 @@
 </p:sld>
 </file>
 
-<file path=ppt/slides/slide17.xml><?xml version="1.0" encoding="utf-8"?>
+<file path=ppt/slides/slide2.xml><?xml version="1.0" encoding="utf-8"?>
+<p:sld xmlns:a="http://schemas.openxmlformats.org/drawingml/2006/main" xmlns:r="http://schemas.openxmlformats.org/officeDocument/2006/relationships" xmlns:p="http://schemas.openxmlformats.org/presentationml/2006/main">
+  <p:cSld>
+    <p:spTree>
+      <p:nvGrpSpPr>
+        <p:cNvPr id="1" name=""/>
+        <p:cNvGrpSpPr/>
+        <p:nvPr/>
+      </p:nvGrpSpPr>
+      <p:grpSpPr>
+        <a:xfrm>
+          <a:off x="0" y="0"/>
+          <a:ext cx="0" cy="0"/>
+          <a:chOff x="0" y="0"/>
+          <a:chExt cx="0" cy="0"/>
+        </a:xfrm>
+      </p:grpSpPr>
+      <p:pic>
+        <p:nvPicPr>
+          <p:cNvPr id="2" name="Picture Placeholder 1"/>
+          <p:cNvPicPr>
+            <a:picLocks noGrp="1" noChangeAspect="1"/>
+          </p:cNvPicPr>
+          <p:nvPr>
+            <p:ph type="pic" idx="1"/>
+          </p:nvPr>
+        </p:nvPicPr>
+        <p:blipFill rotWithShape="1">
+          <a:blip r:embed="rId2" cstate="email">
+            <a:extLst>
+              <a:ext uri="{28A0092B-C50C-407E-A947-70E740481C1C}">
+                <a14:useLocalDpi xmlns:a14="http://schemas.microsoft.com/office/drawing/2010/main"/>
+              </a:ext>
+            </a:extLst>
+          </a:blip>
+          <a:srcRect/>
+          <a:stretch/>
+        </p:blipFill>
+        <p:spPr>
+          <a:solidFill>
+            <a:schemeClr val="bg1">
+              <a:lumMod val="95000"/>
+            </a:schemeClr>
+          </a:solidFill>
+        </p:spPr>
+      </p:pic>
+      <p:sp>
+        <p:nvSpPr>
+          <p:cNvPr id="13" name="Rectangle 12">
+            <a:extLst>
+              <a:ext uri="{FF2B5EF4-FFF2-40B4-BE49-F238E27FC236}">
+                <a16:creationId xmlns:a16="http://schemas.microsoft.com/office/drawing/2014/main" id="{EE1D1380-BC28-F74F-8866-BD4C0AD42595}"/>
+              </a:ext>
+            </a:extLst>
+          </p:cNvPr>
+          <p:cNvSpPr/>
+          <p:nvPr/>
+        </p:nvSpPr>
+        <p:spPr>
+          <a:xfrm>
+            <a:off x="2382" y="-10043"/>
+            <a:ext cx="9139238" cy="5691851"/>
+          </a:xfrm>
+          <a:prstGeom prst="rect">
+            <a:avLst/>
+          </a:prstGeom>
+          <a:solidFill>
+            <a:schemeClr val="bg1">
+              <a:alpha val="0"/>
+            </a:schemeClr>
+          </a:solidFill>
+          <a:ln>
+            <a:noFill/>
+          </a:ln>
+        </p:spPr>
+        <p:style>
+          <a:lnRef idx="2">
+            <a:schemeClr val="accent1">
+              <a:shade val="50000"/>
+            </a:schemeClr>
+          </a:lnRef>
+          <a:fillRef idx="1">
+            <a:schemeClr val="accent1"/>
+          </a:fillRef>
+          <a:effectRef idx="0">
+            <a:schemeClr val="accent1"/>
+          </a:effectRef>
+          <a:fontRef idx="minor">
+            <a:schemeClr val="lt1"/>
+          </a:fontRef>
+        </p:style>
+        <p:txBody>
+          <a:bodyPr rtlCol="0" anchor="ctr"/>
+          <a:lstStyle/>
+          <a:p>
+            <a:pPr algn="ctr" defTabSz="685457">
+              <a:defRPr/>
+            </a:pPr>
+            <a:endParaRPr lang="en-US" sz="1349">
+              <a:solidFill>
+                <a:srgbClr val="FFFFFF"/>
+              </a:solidFill>
+              <a:latin typeface="Arial" panose="020B0604020202020204"/>
+            </a:endParaRPr>
+          </a:p>
+        </p:txBody>
+      </p:sp>
+      <p:sp>
+        <p:nvSpPr>
+          <p:cNvPr id="6" name="Rectangle 5"/>
+          <p:cNvSpPr/>
+          <p:nvPr/>
+        </p:nvSpPr>
+        <p:spPr>
+          <a:xfrm>
+            <a:off x="2382" y="2392863"/>
+            <a:ext cx="9139238" cy="1882229"/>
+          </a:xfrm>
+          <a:prstGeom prst="rect">
+            <a:avLst/>
+          </a:prstGeom>
+          <a:gradFill flip="none" rotWithShape="1">
+            <a:gsLst>
+              <a:gs pos="13000">
+                <a:srgbClr val="25B6C2">
+                  <a:alpha val="50000"/>
+                </a:srgbClr>
+              </a:gs>
+              <a:gs pos="100000">
+                <a:srgbClr val="0692DB">
+                  <a:alpha val="50000"/>
+                </a:srgbClr>
+              </a:gs>
+            </a:gsLst>
+            <a:lin ang="2700000" scaled="0"/>
+            <a:tileRect/>
+          </a:gradFill>
+          <a:ln>
+            <a:noFill/>
+          </a:ln>
+        </p:spPr>
+        <p:style>
+          <a:lnRef idx="2">
+            <a:schemeClr val="accent1">
+              <a:shade val="50000"/>
+            </a:schemeClr>
+          </a:lnRef>
+          <a:fillRef idx="1">
+            <a:schemeClr val="accent1"/>
+          </a:fillRef>
+          <a:effectRef idx="0">
+            <a:schemeClr val="accent1"/>
+          </a:effectRef>
+          <a:fontRef idx="minor">
+            <a:schemeClr val="lt1"/>
+          </a:fontRef>
+        </p:style>
+        <p:txBody>
+          <a:bodyPr rtlCol="0" anchor="ctr"/>
+          <a:lstStyle/>
+          <a:p>
+            <a:pPr algn="ctr" defTabSz="685457">
+              <a:defRPr/>
+            </a:pPr>
+            <a:endParaRPr lang="ko-KR" altLang="en-US" sz="1349">
+              <a:solidFill>
+                <a:srgbClr val="FFFFFF"/>
+              </a:solidFill>
+              <a:latin typeface="Arial" panose="020B0604020202020204"/>
+              <a:ea typeface="굴림" panose="020B0600000101010101" pitchFamily="34" charset="-127"/>
+            </a:endParaRPr>
+          </a:p>
+        </p:txBody>
+      </p:sp>
+      <p:sp>
+        <p:nvSpPr>
+          <p:cNvPr id="7" name="Rectangle 6"/>
+          <p:cNvSpPr/>
+          <p:nvPr/>
+        </p:nvSpPr>
+        <p:spPr>
+          <a:xfrm>
+            <a:off x="2382" y="2522237"/>
+            <a:ext cx="9139238" cy="1595821"/>
+          </a:xfrm>
+          <a:prstGeom prst="rect">
+            <a:avLst/>
+          </a:prstGeom>
+          <a:gradFill flip="none" rotWithShape="1">
+            <a:gsLst>
+              <a:gs pos="13000">
+                <a:srgbClr val="25B6C2"/>
+              </a:gs>
+              <a:gs pos="100000">
+                <a:srgbClr val="0692DB"/>
+              </a:gs>
+            </a:gsLst>
+            <a:lin ang="2700000" scaled="0"/>
+            <a:tileRect/>
+          </a:gradFill>
+          <a:ln>
+            <a:noFill/>
+          </a:ln>
+        </p:spPr>
+        <p:style>
+          <a:lnRef idx="2">
+            <a:schemeClr val="accent1">
+              <a:shade val="50000"/>
+            </a:schemeClr>
+          </a:lnRef>
+          <a:fillRef idx="1">
+            <a:schemeClr val="accent1"/>
+          </a:fillRef>
+          <a:effectRef idx="0">
+            <a:schemeClr val="accent1"/>
+          </a:effectRef>
+          <a:fontRef idx="minor">
+            <a:schemeClr val="lt1"/>
+          </a:fontRef>
+        </p:style>
+        <p:txBody>
+          <a:bodyPr rtlCol="0" anchor="ctr"/>
+          <a:lstStyle/>
+          <a:p>
+            <a:pPr algn="ctr" defTabSz="685457">
+              <a:defRPr/>
+            </a:pPr>
+            <a:endParaRPr lang="ko-KR" altLang="en-US" sz="1349">
+              <a:solidFill>
+                <a:srgbClr val="FFFFFF"/>
+              </a:solidFill>
+              <a:latin typeface="Arial" panose="020B0604020202020204"/>
+              <a:ea typeface="굴림" panose="020B0600000101010101" pitchFamily="34" charset="-127"/>
+            </a:endParaRPr>
+          </a:p>
+        </p:txBody>
+      </p:sp>
+      <p:sp>
+        <p:nvSpPr>
+          <p:cNvPr id="19" name="TextBox 18">
+            <a:extLst>
+              <a:ext uri="{FF2B5EF4-FFF2-40B4-BE49-F238E27FC236}">
+                <a16:creationId xmlns:a16="http://schemas.microsoft.com/office/drawing/2014/main" id="{B945CD40-9ABD-7441-A0F8-C5ACA34BB34C}"/>
+              </a:ext>
+            </a:extLst>
+          </p:cNvPr>
+          <p:cNvSpPr txBox="1"/>
+          <p:nvPr/>
+        </p:nvSpPr>
+        <p:spPr>
+          <a:xfrm>
+            <a:off x="2881727" y="2577435"/>
+            <a:ext cx="3380548" cy="507703"/>
+          </a:xfrm>
+          <a:prstGeom prst="rect">
+            <a:avLst/>
+          </a:prstGeom>
+          <a:noFill/>
+          <a:ln>
+            <a:noFill/>
+          </a:ln>
+        </p:spPr>
+        <p:txBody>
+          <a:bodyPr wrap="square" rtlCol="0">
+            <a:spAutoFit/>
+          </a:bodyPr>
+          <a:lstStyle/>
+          <a:p>
+            <a:pPr algn="ctr" defTabSz="685457">
+              <a:defRPr/>
+            </a:pPr>
+            <a:r>
+              <a:rPr lang="en-IN" sz="2699" b="1" dirty="0">
+                <a:solidFill>
+                  <a:srgbClr val="FFFFFF"/>
+                </a:solidFill>
+                <a:latin typeface="Arial" panose="020B0604020202020204" pitchFamily="34" charset="0"/>
+                <a:ea typeface="Cambria" panose="02040503050406030204" pitchFamily="18" charset="0"/>
+                <a:cs typeface="Arial" panose="020B0604020202020204" pitchFamily="34" charset="0"/>
+              </a:rPr>
+              <a:t>DISCLAIMER</a:t>
+            </a:r>
+            <a:endParaRPr lang="en-US" sz="2474" spc="113" dirty="0">
+              <a:solidFill>
+                <a:srgbClr val="FFFFFF"/>
+              </a:solidFill>
+              <a:latin typeface="Arial" panose="020B0604020202020204" pitchFamily="34" charset="0"/>
+              <a:ea typeface="Lato Medium" panose="020F0502020204030203" pitchFamily="34" charset="0"/>
+              <a:cs typeface="Arial" panose="020B0604020202020204" pitchFamily="34" charset="0"/>
+            </a:endParaRPr>
+          </a:p>
+        </p:txBody>
+      </p:sp>
+      <p:sp>
+        <p:nvSpPr>
+          <p:cNvPr id="20" name="TextBox 19">
+            <a:extLst>
+              <a:ext uri="{FF2B5EF4-FFF2-40B4-BE49-F238E27FC236}">
+                <a16:creationId xmlns:a16="http://schemas.microsoft.com/office/drawing/2014/main" id="{B945CD40-9ABD-7441-A0F8-C5ACA34BB34C}"/>
+              </a:ext>
+            </a:extLst>
+          </p:cNvPr>
+          <p:cNvSpPr txBox="1"/>
+          <p:nvPr/>
+        </p:nvSpPr>
+        <p:spPr>
+          <a:xfrm>
+            <a:off x="332706" y="3044889"/>
+            <a:ext cx="8478590" cy="922945"/>
+          </a:xfrm>
+          <a:prstGeom prst="rect">
+            <a:avLst/>
+          </a:prstGeom>
+          <a:noFill/>
+          <a:ln>
+            <a:noFill/>
+          </a:ln>
+        </p:spPr>
+        <p:txBody>
+          <a:bodyPr wrap="square" rtlCol="0">
+            <a:spAutoFit/>
+          </a:bodyPr>
+          <a:lstStyle/>
+          <a:p>
+            <a:pPr algn="ctr" defTabSz="685457">
+              <a:defRPr/>
+            </a:pPr>
+            <a:r>
+              <a:rPr lang="en-IN" sz="1799" dirty="0">
+                <a:solidFill>
+                  <a:srgbClr val="FFFFFF"/>
+                </a:solidFill>
+                <a:latin typeface="Arial" panose="020B0604020202020204" pitchFamily="34" charset="0"/>
+                <a:cs typeface="Arial" panose="020B0604020202020204" pitchFamily="34" charset="0"/>
+              </a:rPr>
+              <a:t>The training content and delivery of this presentation is confidential, and cannot be recorded, or copied and distributed to any third party, without the written consent of Anubhav Trainings</a:t>
+            </a:r>
+          </a:p>
+        </p:txBody>
+      </p:sp>
+      <p:pic>
+        <p:nvPicPr>
+          <p:cNvPr id="9" name="Picture 4">
+            <a:extLst>
+              <a:ext uri="{FF2B5EF4-FFF2-40B4-BE49-F238E27FC236}">
+                <a16:creationId xmlns:a16="http://schemas.microsoft.com/office/drawing/2014/main" id="{DB8A7F7E-7F2C-20C1-2A09-7D9F11F6AD11}"/>
+              </a:ext>
+            </a:extLst>
+          </p:cNvPr>
+          <p:cNvPicPr>
+            <a:picLocks noChangeAspect="1" noChangeArrowheads="1"/>
+          </p:cNvPicPr>
+          <p:nvPr/>
+        </p:nvPicPr>
+        <p:blipFill>
+          <a:blip r:embed="rId3" cstate="print">
+            <a:extLst>
+              <a:ext uri="{28A0092B-C50C-407E-A947-70E740481C1C}">
+                <a14:useLocalDpi xmlns:a14="http://schemas.microsoft.com/office/drawing/2010/main" val="0"/>
+              </a:ext>
+            </a:extLst>
+          </a:blip>
+          <a:srcRect/>
+          <a:stretch>
+            <a:fillRect/>
+          </a:stretch>
+        </p:blipFill>
+        <p:spPr bwMode="auto">
+          <a:xfrm>
+            <a:off x="8650243" y="0"/>
+            <a:ext cx="491377" cy="485336"/>
+          </a:xfrm>
+          <a:prstGeom prst="rect">
+            <a:avLst/>
+          </a:prstGeom>
+          <a:noFill/>
+          <a:extLst>
+            <a:ext uri="{909E8E84-426E-40DD-AFC4-6F175D3DCCD1}">
+              <a14:hiddenFill xmlns:a14="http://schemas.microsoft.com/office/drawing/2010/main">
+                <a:solidFill>
+                  <a:srgbClr val="FFFFFF"/>
+                </a:solidFill>
+              </a14:hiddenFill>
+            </a:ext>
+          </a:extLst>
+        </p:spPr>
+      </p:pic>
+    </p:spTree>
+    <p:extLst>
+      <p:ext uri="{BB962C8B-B14F-4D97-AF65-F5344CB8AC3E}">
+        <p14:creationId xmlns:p14="http://schemas.microsoft.com/office/powerpoint/2010/main" val="2063806236"/>
+      </p:ext>
+    </p:extLst>
+  </p:cSld>
+  <p:clrMapOvr>
+    <a:masterClrMapping/>
+  </p:clrMapOvr>
+  <mc:AlternateContent xmlns:mc="http://schemas.openxmlformats.org/markup-compatibility/2006" xmlns:p14="http://schemas.microsoft.com/office/powerpoint/2010/main">
+    <mc:Choice Requires="p14">
+      <p:transition spd="med" p14:dur="700">
+        <p:fade/>
+      </p:transition>
+    </mc:Choice>
+    <mc:Fallback xmlns="">
+      <p:transition spd="med">
+        <p:fade/>
+      </p:transition>
+    </mc:Fallback>
+  </mc:AlternateContent>
+</p:sld>
+</file>
+
+<file path=ppt/slides/slide20.xml><?xml version="1.0" encoding="utf-8"?>
 <p:sld xmlns:a="http://schemas.openxmlformats.org/drawingml/2006/main" xmlns:r="http://schemas.openxmlformats.org/officeDocument/2006/relationships" xmlns:p="http://schemas.openxmlformats.org/presentationml/2006/main">
   <p:cSld>
     <p:spTree>
@@ -10843,7 +12000,7 @@
 </p:sld>
 </file>
 
-<file path=ppt/slides/slide18.xml><?xml version="1.0" encoding="utf-8"?>
+<file path=ppt/slides/slide21.xml><?xml version="1.0" encoding="utf-8"?>
 <p:sld xmlns:a="http://schemas.openxmlformats.org/drawingml/2006/main" xmlns:r="http://schemas.openxmlformats.org/officeDocument/2006/relationships" xmlns:p="http://schemas.openxmlformats.org/presentationml/2006/main">
   <p:cSld>
     <p:spTree>
@@ -11889,418 +13046,6 @@
     <p:extLst>
       <p:ext uri="{BB962C8B-B14F-4D97-AF65-F5344CB8AC3E}">
         <p14:creationId xmlns:p14="http://schemas.microsoft.com/office/powerpoint/2010/main" val="1855602970"/>
-      </p:ext>
-    </p:extLst>
-  </p:cSld>
-  <p:clrMapOvr>
-    <a:masterClrMapping/>
-  </p:clrMapOvr>
-  <mc:AlternateContent xmlns:mc="http://schemas.openxmlformats.org/markup-compatibility/2006" xmlns:p14="http://schemas.microsoft.com/office/powerpoint/2010/main">
-    <mc:Choice Requires="p14">
-      <p:transition spd="med" p14:dur="700">
-        <p:fade/>
-      </p:transition>
-    </mc:Choice>
-    <mc:Fallback xmlns="">
-      <p:transition spd="med">
-        <p:fade/>
-      </p:transition>
-    </mc:Fallback>
-  </mc:AlternateContent>
-</p:sld>
-</file>
-
-<file path=ppt/slides/slide2.xml><?xml version="1.0" encoding="utf-8"?>
-<p:sld xmlns:a="http://schemas.openxmlformats.org/drawingml/2006/main" xmlns:r="http://schemas.openxmlformats.org/officeDocument/2006/relationships" xmlns:p="http://schemas.openxmlformats.org/presentationml/2006/main">
-  <p:cSld>
-    <p:spTree>
-      <p:nvGrpSpPr>
-        <p:cNvPr id="1" name=""/>
-        <p:cNvGrpSpPr/>
-        <p:nvPr/>
-      </p:nvGrpSpPr>
-      <p:grpSpPr>
-        <a:xfrm>
-          <a:off x="0" y="0"/>
-          <a:ext cx="0" cy="0"/>
-          <a:chOff x="0" y="0"/>
-          <a:chExt cx="0" cy="0"/>
-        </a:xfrm>
-      </p:grpSpPr>
-      <p:pic>
-        <p:nvPicPr>
-          <p:cNvPr id="2" name="Picture Placeholder 1"/>
-          <p:cNvPicPr>
-            <a:picLocks noGrp="1" noChangeAspect="1"/>
-          </p:cNvPicPr>
-          <p:nvPr>
-            <p:ph type="pic" idx="1"/>
-          </p:nvPr>
-        </p:nvPicPr>
-        <p:blipFill rotWithShape="1">
-          <a:blip r:embed="rId2" cstate="email">
-            <a:extLst>
-              <a:ext uri="{28A0092B-C50C-407E-A947-70E740481C1C}">
-                <a14:useLocalDpi xmlns:a14="http://schemas.microsoft.com/office/drawing/2010/main"/>
-              </a:ext>
-            </a:extLst>
-          </a:blip>
-          <a:srcRect/>
-          <a:stretch/>
-        </p:blipFill>
-        <p:spPr>
-          <a:solidFill>
-            <a:schemeClr val="bg1">
-              <a:lumMod val="95000"/>
-            </a:schemeClr>
-          </a:solidFill>
-        </p:spPr>
-      </p:pic>
-      <p:sp>
-        <p:nvSpPr>
-          <p:cNvPr id="13" name="Rectangle 12">
-            <a:extLst>
-              <a:ext uri="{FF2B5EF4-FFF2-40B4-BE49-F238E27FC236}">
-                <a16:creationId xmlns:a16="http://schemas.microsoft.com/office/drawing/2014/main" id="{EE1D1380-BC28-F74F-8866-BD4C0AD42595}"/>
-              </a:ext>
-            </a:extLst>
-          </p:cNvPr>
-          <p:cNvSpPr/>
-          <p:nvPr/>
-        </p:nvSpPr>
-        <p:spPr>
-          <a:xfrm>
-            <a:off x="2382" y="-10043"/>
-            <a:ext cx="9139238" cy="5691851"/>
-          </a:xfrm>
-          <a:prstGeom prst="rect">
-            <a:avLst/>
-          </a:prstGeom>
-          <a:solidFill>
-            <a:schemeClr val="bg1">
-              <a:alpha val="0"/>
-            </a:schemeClr>
-          </a:solidFill>
-          <a:ln>
-            <a:noFill/>
-          </a:ln>
-        </p:spPr>
-        <p:style>
-          <a:lnRef idx="2">
-            <a:schemeClr val="accent1">
-              <a:shade val="50000"/>
-            </a:schemeClr>
-          </a:lnRef>
-          <a:fillRef idx="1">
-            <a:schemeClr val="accent1"/>
-          </a:fillRef>
-          <a:effectRef idx="0">
-            <a:schemeClr val="accent1"/>
-          </a:effectRef>
-          <a:fontRef idx="minor">
-            <a:schemeClr val="lt1"/>
-          </a:fontRef>
-        </p:style>
-        <p:txBody>
-          <a:bodyPr rtlCol="0" anchor="ctr"/>
-          <a:lstStyle/>
-          <a:p>
-            <a:pPr algn="ctr" defTabSz="685457">
-              <a:defRPr/>
-            </a:pPr>
-            <a:endParaRPr lang="en-US" sz="1349">
-              <a:solidFill>
-                <a:srgbClr val="FFFFFF"/>
-              </a:solidFill>
-              <a:latin typeface="Arial" panose="020B0604020202020204"/>
-            </a:endParaRPr>
-          </a:p>
-        </p:txBody>
-      </p:sp>
-      <p:sp>
-        <p:nvSpPr>
-          <p:cNvPr id="6" name="Rectangle 5"/>
-          <p:cNvSpPr/>
-          <p:nvPr/>
-        </p:nvSpPr>
-        <p:spPr>
-          <a:xfrm>
-            <a:off x="2382" y="2392863"/>
-            <a:ext cx="9139238" cy="1882229"/>
-          </a:xfrm>
-          <a:prstGeom prst="rect">
-            <a:avLst/>
-          </a:prstGeom>
-          <a:gradFill flip="none" rotWithShape="1">
-            <a:gsLst>
-              <a:gs pos="13000">
-                <a:srgbClr val="25B6C2">
-                  <a:alpha val="50000"/>
-                </a:srgbClr>
-              </a:gs>
-              <a:gs pos="100000">
-                <a:srgbClr val="0692DB">
-                  <a:alpha val="50000"/>
-                </a:srgbClr>
-              </a:gs>
-            </a:gsLst>
-            <a:lin ang="2700000" scaled="0"/>
-            <a:tileRect/>
-          </a:gradFill>
-          <a:ln>
-            <a:noFill/>
-          </a:ln>
-        </p:spPr>
-        <p:style>
-          <a:lnRef idx="2">
-            <a:schemeClr val="accent1">
-              <a:shade val="50000"/>
-            </a:schemeClr>
-          </a:lnRef>
-          <a:fillRef idx="1">
-            <a:schemeClr val="accent1"/>
-          </a:fillRef>
-          <a:effectRef idx="0">
-            <a:schemeClr val="accent1"/>
-          </a:effectRef>
-          <a:fontRef idx="minor">
-            <a:schemeClr val="lt1"/>
-          </a:fontRef>
-        </p:style>
-        <p:txBody>
-          <a:bodyPr rtlCol="0" anchor="ctr"/>
-          <a:lstStyle/>
-          <a:p>
-            <a:pPr algn="ctr" defTabSz="685457">
-              <a:defRPr/>
-            </a:pPr>
-            <a:endParaRPr lang="ko-KR" altLang="en-US" sz="1349">
-              <a:solidFill>
-                <a:srgbClr val="FFFFFF"/>
-              </a:solidFill>
-              <a:latin typeface="Arial" panose="020B0604020202020204"/>
-              <a:ea typeface="굴림" panose="020B0600000101010101" pitchFamily="34" charset="-127"/>
-            </a:endParaRPr>
-          </a:p>
-        </p:txBody>
-      </p:sp>
-      <p:sp>
-        <p:nvSpPr>
-          <p:cNvPr id="7" name="Rectangle 6"/>
-          <p:cNvSpPr/>
-          <p:nvPr/>
-        </p:nvSpPr>
-        <p:spPr>
-          <a:xfrm>
-            <a:off x="2382" y="2522237"/>
-            <a:ext cx="9139238" cy="1595821"/>
-          </a:xfrm>
-          <a:prstGeom prst="rect">
-            <a:avLst/>
-          </a:prstGeom>
-          <a:gradFill flip="none" rotWithShape="1">
-            <a:gsLst>
-              <a:gs pos="13000">
-                <a:srgbClr val="25B6C2"/>
-              </a:gs>
-              <a:gs pos="100000">
-                <a:srgbClr val="0692DB"/>
-              </a:gs>
-            </a:gsLst>
-            <a:lin ang="2700000" scaled="0"/>
-            <a:tileRect/>
-          </a:gradFill>
-          <a:ln>
-            <a:noFill/>
-          </a:ln>
-        </p:spPr>
-        <p:style>
-          <a:lnRef idx="2">
-            <a:schemeClr val="accent1">
-              <a:shade val="50000"/>
-            </a:schemeClr>
-          </a:lnRef>
-          <a:fillRef idx="1">
-            <a:schemeClr val="accent1"/>
-          </a:fillRef>
-          <a:effectRef idx="0">
-            <a:schemeClr val="accent1"/>
-          </a:effectRef>
-          <a:fontRef idx="minor">
-            <a:schemeClr val="lt1"/>
-          </a:fontRef>
-        </p:style>
-        <p:txBody>
-          <a:bodyPr rtlCol="0" anchor="ctr"/>
-          <a:lstStyle/>
-          <a:p>
-            <a:pPr algn="ctr" defTabSz="685457">
-              <a:defRPr/>
-            </a:pPr>
-            <a:endParaRPr lang="ko-KR" altLang="en-US" sz="1349">
-              <a:solidFill>
-                <a:srgbClr val="FFFFFF"/>
-              </a:solidFill>
-              <a:latin typeface="Arial" panose="020B0604020202020204"/>
-              <a:ea typeface="굴림" panose="020B0600000101010101" pitchFamily="34" charset="-127"/>
-            </a:endParaRPr>
-          </a:p>
-        </p:txBody>
-      </p:sp>
-      <p:sp>
-        <p:nvSpPr>
-          <p:cNvPr id="19" name="TextBox 18">
-            <a:extLst>
-              <a:ext uri="{FF2B5EF4-FFF2-40B4-BE49-F238E27FC236}">
-                <a16:creationId xmlns:a16="http://schemas.microsoft.com/office/drawing/2014/main" id="{B945CD40-9ABD-7441-A0F8-C5ACA34BB34C}"/>
-              </a:ext>
-            </a:extLst>
-          </p:cNvPr>
-          <p:cNvSpPr txBox="1"/>
-          <p:nvPr/>
-        </p:nvSpPr>
-        <p:spPr>
-          <a:xfrm>
-            <a:off x="2881727" y="2577435"/>
-            <a:ext cx="3380548" cy="507703"/>
-          </a:xfrm>
-          <a:prstGeom prst="rect">
-            <a:avLst/>
-          </a:prstGeom>
-          <a:noFill/>
-          <a:ln>
-            <a:noFill/>
-          </a:ln>
-        </p:spPr>
-        <p:txBody>
-          <a:bodyPr wrap="square" rtlCol="0">
-            <a:spAutoFit/>
-          </a:bodyPr>
-          <a:lstStyle/>
-          <a:p>
-            <a:pPr algn="ctr" defTabSz="685457">
-              <a:defRPr/>
-            </a:pPr>
-            <a:r>
-              <a:rPr lang="en-IN" sz="2699" b="1" dirty="0">
-                <a:solidFill>
-                  <a:srgbClr val="FFFFFF"/>
-                </a:solidFill>
-                <a:latin typeface="Arial" panose="020B0604020202020204" pitchFamily="34" charset="0"/>
-                <a:ea typeface="Cambria" panose="02040503050406030204" pitchFamily="18" charset="0"/>
-                <a:cs typeface="Arial" panose="020B0604020202020204" pitchFamily="34" charset="0"/>
-              </a:rPr>
-              <a:t>DISCLAIMER</a:t>
-            </a:r>
-            <a:endParaRPr lang="en-US" sz="2474" spc="113" dirty="0">
-              <a:solidFill>
-                <a:srgbClr val="FFFFFF"/>
-              </a:solidFill>
-              <a:latin typeface="Arial" panose="020B0604020202020204" pitchFamily="34" charset="0"/>
-              <a:ea typeface="Lato Medium" panose="020F0502020204030203" pitchFamily="34" charset="0"/>
-              <a:cs typeface="Arial" panose="020B0604020202020204" pitchFamily="34" charset="0"/>
-            </a:endParaRPr>
-          </a:p>
-        </p:txBody>
-      </p:sp>
-      <p:sp>
-        <p:nvSpPr>
-          <p:cNvPr id="20" name="TextBox 19">
-            <a:extLst>
-              <a:ext uri="{FF2B5EF4-FFF2-40B4-BE49-F238E27FC236}">
-                <a16:creationId xmlns:a16="http://schemas.microsoft.com/office/drawing/2014/main" id="{B945CD40-9ABD-7441-A0F8-C5ACA34BB34C}"/>
-              </a:ext>
-            </a:extLst>
-          </p:cNvPr>
-          <p:cNvSpPr txBox="1"/>
-          <p:nvPr/>
-        </p:nvSpPr>
-        <p:spPr>
-          <a:xfrm>
-            <a:off x="332706" y="3044889"/>
-            <a:ext cx="8478590" cy="922945"/>
-          </a:xfrm>
-          <a:prstGeom prst="rect">
-            <a:avLst/>
-          </a:prstGeom>
-          <a:noFill/>
-          <a:ln>
-            <a:noFill/>
-          </a:ln>
-        </p:spPr>
-        <p:txBody>
-          <a:bodyPr wrap="square" rtlCol="0">
-            <a:spAutoFit/>
-          </a:bodyPr>
-          <a:lstStyle/>
-          <a:p>
-            <a:pPr algn="ctr" defTabSz="685457">
-              <a:defRPr/>
-            </a:pPr>
-            <a:r>
-              <a:rPr lang="en-IN" sz="1799" dirty="0">
-                <a:solidFill>
-                  <a:srgbClr val="FFFFFF"/>
-                </a:solidFill>
-                <a:latin typeface="Arial" panose="020B0604020202020204" pitchFamily="34" charset="0"/>
-                <a:cs typeface="Arial" panose="020B0604020202020204" pitchFamily="34" charset="0"/>
-              </a:rPr>
-              <a:t>The training content and delivery of this presentation is confidential, and cannot be recorded, or copied and distributed to any third party, without the written consent of Anubhav Trainings</a:t>
-            </a:r>
-          </a:p>
-        </p:txBody>
-      </p:sp>
-      <p:pic>
-        <p:nvPicPr>
-          <p:cNvPr id="9" name="Picture 4">
-            <a:extLst>
-              <a:ext uri="{FF2B5EF4-FFF2-40B4-BE49-F238E27FC236}">
-                <a16:creationId xmlns:a16="http://schemas.microsoft.com/office/drawing/2014/main" id="{DB8A7F7E-7F2C-20C1-2A09-7D9F11F6AD11}"/>
-              </a:ext>
-            </a:extLst>
-          </p:cNvPr>
-          <p:cNvPicPr>
-            <a:picLocks noChangeAspect="1" noChangeArrowheads="1"/>
-          </p:cNvPicPr>
-          <p:nvPr/>
-        </p:nvPicPr>
-        <p:blipFill>
-          <a:blip r:embed="rId3" cstate="print">
-            <a:extLst>
-              <a:ext uri="{28A0092B-C50C-407E-A947-70E740481C1C}">
-                <a14:useLocalDpi xmlns:a14="http://schemas.microsoft.com/office/drawing/2010/main" val="0"/>
-              </a:ext>
-            </a:extLst>
-          </a:blip>
-          <a:srcRect/>
-          <a:stretch>
-            <a:fillRect/>
-          </a:stretch>
-        </p:blipFill>
-        <p:spPr bwMode="auto">
-          <a:xfrm>
-            <a:off x="8650243" y="0"/>
-            <a:ext cx="491377" cy="485336"/>
-          </a:xfrm>
-          <a:prstGeom prst="rect">
-            <a:avLst/>
-          </a:prstGeom>
-          <a:noFill/>
-          <a:extLst>
-            <a:ext uri="{909E8E84-426E-40DD-AFC4-6F175D3DCCD1}">
-              <a14:hiddenFill xmlns:a14="http://schemas.microsoft.com/office/drawing/2010/main">
-                <a:solidFill>
-                  <a:srgbClr val="FFFFFF"/>
-                </a:solidFill>
-              </a14:hiddenFill>
-            </a:ext>
-          </a:extLst>
-        </p:spPr>
-      </p:pic>
-    </p:spTree>
-    <p:extLst>
-      <p:ext uri="{BB962C8B-B14F-4D97-AF65-F5344CB8AC3E}">
-        <p14:creationId xmlns:p14="http://schemas.microsoft.com/office/powerpoint/2010/main" val="2063806236"/>
       </p:ext>
     </p:extLst>
   </p:cSld>
@@ -17227,143 +17972,10 @@
   <p:cSld>
     <p:spTree>
       <p:nvGrpSpPr>
-        <p:cNvPr id="1" name=""/>
-        <p:cNvGrpSpPr/>
-        <p:nvPr/>
-      </p:nvGrpSpPr>
-      <p:grpSpPr>
-        <a:xfrm>
-          <a:off x="0" y="0"/>
-          <a:ext cx="0" cy="0"/>
-          <a:chOff x="0" y="0"/>
-          <a:chExt cx="0" cy="0"/>
-        </a:xfrm>
-      </p:grpSpPr>
-      <p:pic>
-        <p:nvPicPr>
-          <p:cNvPr id="6" name="Picture 5" descr="A screenshot of a chat&#10;&#10;Description automatically generated">
-            <a:extLst>
-              <a:ext uri="{FF2B5EF4-FFF2-40B4-BE49-F238E27FC236}">
-                <a16:creationId xmlns:a16="http://schemas.microsoft.com/office/drawing/2014/main" id="{944F162E-1572-4344-71D5-B384D9065509}"/>
-              </a:ext>
-            </a:extLst>
-          </p:cNvPr>
-          <p:cNvPicPr>
-            <a:picLocks noChangeAspect="1"/>
-          </p:cNvPicPr>
-          <p:nvPr/>
-        </p:nvPicPr>
-        <p:blipFill>
-          <a:blip r:embed="rId2"/>
-          <a:stretch>
-            <a:fillRect/>
-          </a:stretch>
-        </p:blipFill>
-        <p:spPr>
-          <a:xfrm>
-            <a:off x="914400" y="102393"/>
-            <a:ext cx="6894101" cy="4705223"/>
-          </a:xfrm>
-          <a:prstGeom prst="rect">
-            <a:avLst/>
-          </a:prstGeom>
-          <a:noFill/>
-        </p:spPr>
-      </p:pic>
-      <p:sp>
-        <p:nvSpPr>
-          <p:cNvPr id="2" name="Footer Placeholder 1">
-            <a:extLst>
-              <a:ext uri="{FF2B5EF4-FFF2-40B4-BE49-F238E27FC236}">
-                <a16:creationId xmlns:a16="http://schemas.microsoft.com/office/drawing/2014/main" id="{2FC6488B-AC32-54D1-E589-6EB67A482711}"/>
-              </a:ext>
-            </a:extLst>
-          </p:cNvPr>
-          <p:cNvSpPr>
-            <a:spLocks noGrp="1"/>
-          </p:cNvSpPr>
-          <p:nvPr>
-            <p:ph type="ftr" sz="quarter" idx="11"/>
-          </p:nvPr>
-        </p:nvSpPr>
-        <p:spPr/>
-        <p:txBody>
-          <a:bodyPr/>
-          <a:lstStyle/>
-          <a:p>
-            <a:pPr>
-              <a:spcAft>
-                <a:spcPts val="600"/>
-              </a:spcAft>
-            </a:pPr>
-            <a:r>
-              <a:rPr lang="en-US"/>
-              <a:t>www.anubhavtrainings.com</a:t>
-            </a:r>
-          </a:p>
-        </p:txBody>
-      </p:sp>
-      <p:sp>
-        <p:nvSpPr>
-          <p:cNvPr id="3" name="Slide Number Placeholder 2" hidden="1">
-            <a:extLst>
-              <a:ext uri="{FF2B5EF4-FFF2-40B4-BE49-F238E27FC236}">
-                <a16:creationId xmlns:a16="http://schemas.microsoft.com/office/drawing/2014/main" id="{4C67BC17-FD93-4632-42E9-B2D4515507C4}"/>
-              </a:ext>
-            </a:extLst>
-          </p:cNvPr>
-          <p:cNvSpPr>
-            <a:spLocks noGrp="1"/>
-          </p:cNvSpPr>
-          <p:nvPr>
-            <p:ph type="sldNum" sz="quarter" idx="12"/>
-          </p:nvPr>
-        </p:nvSpPr>
-        <p:spPr/>
-        <p:txBody>
-          <a:bodyPr/>
-          <a:lstStyle/>
-          <a:p>
-            <a:pPr>
-              <a:spcAft>
-                <a:spcPts val="600"/>
-              </a:spcAft>
-            </a:pPr>
-            <a:fld id="{B6F15528-21DE-4FAA-801E-634DDDAF4B2B}" type="slidenum">
-              <a:rPr lang="en-US" smtClean="0"/>
-              <a:pPr>
-                <a:spcAft>
-                  <a:spcPts val="600"/>
-                </a:spcAft>
-              </a:pPr>
-              <a:t>8</a:t>
-            </a:fld>
-            <a:endParaRPr lang="en-US"/>
-          </a:p>
-        </p:txBody>
-      </p:sp>
-    </p:spTree>
-    <p:extLst>
-      <p:ext uri="{BB962C8B-B14F-4D97-AF65-F5344CB8AC3E}">
-        <p14:creationId xmlns:p14="http://schemas.microsoft.com/office/powerpoint/2010/main" val="691396048"/>
-      </p:ext>
-    </p:extLst>
-  </p:cSld>
-  <p:clrMapOvr>
-    <a:masterClrMapping/>
-  </p:clrMapOvr>
-</p:sld>
-</file>
-
-<file path=ppt/slides/slide9.xml><?xml version="1.0" encoding="utf-8"?>
-<p:sld xmlns:a="http://schemas.openxmlformats.org/drawingml/2006/main" xmlns:r="http://schemas.openxmlformats.org/officeDocument/2006/relationships" xmlns:p="http://schemas.openxmlformats.org/presentationml/2006/main">
-  <p:cSld>
-    <p:spTree>
-      <p:nvGrpSpPr>
         <p:cNvPr id="1" name="">
           <a:extLst>
             <a:ext uri="{FF2B5EF4-FFF2-40B4-BE49-F238E27FC236}">
-              <a16:creationId xmlns:a16="http://schemas.microsoft.com/office/drawing/2014/main" id="{56E10C65-8268-5C0C-6B14-3574A6CF3404}"/>
+              <a16:creationId xmlns:a16="http://schemas.microsoft.com/office/drawing/2014/main" id="{4D5F2936-852E-5B6A-4F50-796BF3FDF43A}"/>
             </a:ext>
           </a:extLst>
         </p:cNvPr>
@@ -17380,10 +17992,73 @@
       </p:grpSpPr>
       <p:sp>
         <p:nvSpPr>
-          <p:cNvPr id="12" name="Title 1">
+          <p:cNvPr id="3" name="Footer Placeholder 2">
             <a:extLst>
               <a:ext uri="{FF2B5EF4-FFF2-40B4-BE49-F238E27FC236}">
-                <a16:creationId xmlns:a16="http://schemas.microsoft.com/office/drawing/2014/main" id="{1D2C7872-5EFD-E551-3327-DAD8B8D59CD7}"/>
+                <a16:creationId xmlns:a16="http://schemas.microsoft.com/office/drawing/2014/main" id="{28D243DF-D683-A564-171D-5C0586FA7A32}"/>
+              </a:ext>
+            </a:extLst>
+          </p:cNvPr>
+          <p:cNvSpPr>
+            <a:spLocks noGrp="1"/>
+          </p:cNvSpPr>
+          <p:nvPr>
+            <p:ph type="ftr" sz="quarter" idx="11"/>
+          </p:nvPr>
+        </p:nvSpPr>
+        <p:spPr/>
+        <p:txBody>
+          <a:bodyPr/>
+          <a:lstStyle/>
+          <a:p>
+            <a:r>
+              <a:rPr lang="en-US" dirty="0"/>
+              <a:t>www.anubhavtrainings.com</a:t>
+            </a:r>
+          </a:p>
+        </p:txBody>
+      </p:sp>
+      <p:sp>
+        <p:nvSpPr>
+          <p:cNvPr id="4" name="Slide Number Placeholder 3">
+            <a:extLst>
+              <a:ext uri="{FF2B5EF4-FFF2-40B4-BE49-F238E27FC236}">
+                <a16:creationId xmlns:a16="http://schemas.microsoft.com/office/drawing/2014/main" id="{90692D5E-E8CC-EDFF-C013-1A2A4AB70711}"/>
+              </a:ext>
+            </a:extLst>
+          </p:cNvPr>
+          <p:cNvSpPr>
+            <a:spLocks noGrp="1"/>
+          </p:cNvSpPr>
+          <p:nvPr>
+            <p:ph type="sldNum" sz="quarter" idx="12"/>
+          </p:nvPr>
+        </p:nvSpPr>
+        <p:spPr>
+          <a:xfrm>
+            <a:off x="152400" y="4781550"/>
+            <a:ext cx="457200" cy="273844"/>
+          </a:xfrm>
+        </p:spPr>
+        <p:txBody>
+          <a:bodyPr/>
+          <a:lstStyle/>
+          <a:p>
+            <a:fld id="{B6F15528-21DE-4FAA-801E-634DDDAF4B2B}" type="slidenum">
+              <a:rPr lang="en-US" smtClean="0"/>
+              <a:pPr/>
+              <a:t>8</a:t>
+            </a:fld>
+            <a:endParaRPr lang="en-US" dirty="0"/>
+          </a:p>
+        </p:txBody>
+      </p:sp>
+      <p:sp>
+        <p:nvSpPr>
+          <p:cNvPr id="5" name="Title 4">
+            <a:extLst>
+              <a:ext uri="{FF2B5EF4-FFF2-40B4-BE49-F238E27FC236}">
+                <a16:creationId xmlns:a16="http://schemas.microsoft.com/office/drawing/2014/main" id="{EAEF5FA3-B621-E5A5-A882-554CE90D8D16}"/>
               </a:ext>
             </a:extLst>
           </p:cNvPr>
@@ -17396,8 +18071,8 @@
         </p:nvSpPr>
         <p:spPr>
           <a:xfrm>
-            <a:off x="457200" y="57150"/>
-            <a:ext cx="8229600" cy="609601"/>
+            <a:off x="76200" y="133350"/>
+            <a:ext cx="8229600" cy="533401"/>
           </a:xfrm>
         </p:spPr>
         <p:txBody>
@@ -17405,110 +18080,11 @@
           <a:lstStyle/>
           <a:p>
             <a:r>
-              <a:rPr lang="en-US" dirty="0">
+              <a:rPr lang="en-IN" sz="2500" dirty="0">
                 <a:latin typeface="Cooper Black" panose="0208090404030B020404" pitchFamily="18" charset="0"/>
               </a:rPr>
-              <a:t>Build Process Scenario 2 – Script Task</a:t>
-            </a:r>
-          </a:p>
-        </p:txBody>
-      </p:sp>
-      <p:sp>
-        <p:nvSpPr>
-          <p:cNvPr id="3" name="Footer Placeholder 2">
-            <a:extLst>
-              <a:ext uri="{FF2B5EF4-FFF2-40B4-BE49-F238E27FC236}">
-                <a16:creationId xmlns:a16="http://schemas.microsoft.com/office/drawing/2014/main" id="{CFE5CB23-0BC8-1C8D-171B-57573FC97C53}"/>
-              </a:ext>
-            </a:extLst>
-          </p:cNvPr>
-          <p:cNvSpPr>
-            <a:spLocks noGrp="1"/>
-          </p:cNvSpPr>
-          <p:nvPr>
-            <p:ph type="ftr" sz="quarter" idx="11"/>
-          </p:nvPr>
-        </p:nvSpPr>
-        <p:spPr>
-          <a:xfrm>
-            <a:off x="3124200" y="4767263"/>
-            <a:ext cx="2895600" cy="273844"/>
-          </a:xfrm>
-        </p:spPr>
-        <p:txBody>
-          <a:bodyPr vert="horz" lIns="91440" tIns="45720" rIns="91440" bIns="45720" rtlCol="0" anchor="ctr">
-            <a:normAutofit/>
-          </a:bodyPr>
-          <a:lstStyle/>
-          <a:p>
-            <a:pPr>
-              <a:lnSpc>
-                <a:spcPct val="90000"/>
-              </a:lnSpc>
-              <a:spcAft>
-                <a:spcPts val="600"/>
-              </a:spcAft>
-            </a:pPr>
-            <a:r>
-              <a:rPr lang="en-US" kern="1200">
-                <a:latin typeface="+mn-lt"/>
-                <a:ea typeface="+mn-ea"/>
-                <a:cs typeface="+mn-cs"/>
-              </a:rPr>
-              <a:t>www.anubhavtrainings.com</a:t>
-            </a:r>
-          </a:p>
-        </p:txBody>
-      </p:sp>
-      <p:sp>
-        <p:nvSpPr>
-          <p:cNvPr id="4" name="Slide Number Placeholder 3">
-            <a:extLst>
-              <a:ext uri="{FF2B5EF4-FFF2-40B4-BE49-F238E27FC236}">
-                <a16:creationId xmlns:a16="http://schemas.microsoft.com/office/drawing/2014/main" id="{2E4047B4-5C5D-E2AF-9F6B-531A9A2DB10C}"/>
-              </a:ext>
-            </a:extLst>
-          </p:cNvPr>
-          <p:cNvSpPr>
-            <a:spLocks noGrp="1"/>
-          </p:cNvSpPr>
-          <p:nvPr>
-            <p:ph type="sldNum" sz="quarter" idx="12"/>
-          </p:nvPr>
-        </p:nvSpPr>
-        <p:spPr>
-          <a:xfrm>
-            <a:off x="6553200" y="4767263"/>
-            <a:ext cx="2133600" cy="273844"/>
-          </a:xfrm>
-        </p:spPr>
-        <p:txBody>
-          <a:bodyPr vert="horz" lIns="91440" tIns="45720" rIns="91440" bIns="45720" rtlCol="0" anchor="ctr">
-            <a:normAutofit/>
-          </a:bodyPr>
-          <a:lstStyle/>
-          <a:p>
-            <a:pPr>
-              <a:lnSpc>
-                <a:spcPct val="90000"/>
-              </a:lnSpc>
-              <a:spcAft>
-                <a:spcPts val="600"/>
-              </a:spcAft>
-            </a:pPr>
-            <a:fld id="{B6F15528-21DE-4FAA-801E-634DDDAF4B2B}" type="slidenum">
-              <a:rPr lang="en-US" smtClean="0"/>
-              <a:pPr>
-                <a:lnSpc>
-                  <a:spcPct val="90000"/>
-                </a:lnSpc>
-                <a:spcAft>
-                  <a:spcPts val="600"/>
-                </a:spcAft>
-              </a:pPr>
-              <a:t>9</a:t>
-            </a:fld>
-            <a:endParaRPr lang="en-US" dirty="0"/>
+              <a:t>Conditions</a:t>
+            </a:r>
           </a:p>
         </p:txBody>
       </p:sp>
@@ -17517,7 +18093,7 @@
           <p:cNvPr id="2" name="TextBox 1">
             <a:extLst>
               <a:ext uri="{FF2B5EF4-FFF2-40B4-BE49-F238E27FC236}">
-                <a16:creationId xmlns:a16="http://schemas.microsoft.com/office/drawing/2014/main" id="{917C7D5E-6995-ABF3-672F-302A98A43129}"/>
+                <a16:creationId xmlns:a16="http://schemas.microsoft.com/office/drawing/2014/main" id="{2DC46206-4128-C159-0FB6-956C54F396EF}"/>
               </a:ext>
             </a:extLst>
           </p:cNvPr>
@@ -17526,215 +18102,172 @@
         </p:nvSpPr>
         <p:spPr>
           <a:xfrm>
-            <a:off x="457200" y="971550"/>
-            <a:ext cx="5562600" cy="3733800"/>
+            <a:off x="76200" y="742950"/>
+            <a:ext cx="8915400" cy="923330"/>
+          </a:xfrm>
+          <a:prstGeom prst="rect">
+            <a:avLst/>
+          </a:prstGeom>
+          <a:noFill/>
+        </p:spPr>
+        <p:txBody>
+          <a:bodyPr wrap="square" rtlCol="0">
+            <a:spAutoFit/>
+          </a:bodyPr>
+          <a:lstStyle/>
+          <a:p>
+            <a:r>
+              <a:rPr lang="en-IN" dirty="0"/>
+              <a:t>If the sales order amount &lt; 500 EUR – There is no approval required, a direct email will be sent to process initiator that order was auto approved.</a:t>
+            </a:r>
+          </a:p>
+          <a:p>
+            <a:endParaRPr lang="en-IN" dirty="0"/>
+          </a:p>
+        </p:txBody>
+      </p:sp>
+      <p:sp>
+        <p:nvSpPr>
+          <p:cNvPr id="6" name="Title 4">
+            <a:extLst>
+              <a:ext uri="{FF2B5EF4-FFF2-40B4-BE49-F238E27FC236}">
+                <a16:creationId xmlns:a16="http://schemas.microsoft.com/office/drawing/2014/main" id="{2D06199E-A260-8669-8FB9-21A53B7B4E0E}"/>
+              </a:ext>
+            </a:extLst>
+          </p:cNvPr>
+          <p:cNvSpPr txBox="1">
+            <a:spLocks/>
+          </p:cNvSpPr>
+          <p:nvPr/>
+        </p:nvSpPr>
+        <p:spPr>
+          <a:xfrm>
+            <a:off x="76200" y="1475778"/>
+            <a:ext cx="8229600" cy="533401"/>
           </a:xfrm>
           <a:prstGeom prst="rect">
             <a:avLst/>
           </a:prstGeom>
         </p:spPr>
         <p:txBody>
-          <a:bodyPr vert="horz" lIns="91440" tIns="45720" rIns="91440" bIns="45720" rtlCol="0">
-            <a:normAutofit/>
-          </a:bodyPr>
-          <a:lstStyle/>
-          <a:p>
-            <a:pPr>
-              <a:lnSpc>
-                <a:spcPct val="90000"/>
-              </a:lnSpc>
+          <a:bodyPr/>
+          <a:lstStyle>
+            <a:lvl1pPr algn="l" defTabSz="914400" rtl="0" eaLnBrk="1" latinLnBrk="0" hangingPunct="1">
               <a:spcBef>
-                <a:spcPct val="20000"/>
+                <a:spcPct val="0"/>
               </a:spcBef>
-              <a:buFont typeface="Arial" pitchFamily="34" charset="0"/>
-            </a:pPr>
-            <a:r>
-              <a:rPr lang="en-US" sz="1600" dirty="0"/>
-              <a:t>Alex is a manager working in one of the top IT Company. He is being approached for every shopping cart request created by employees reporting to him. </a:t>
-            </a:r>
-          </a:p>
-          <a:p>
-            <a:pPr>
-              <a:lnSpc>
-                <a:spcPct val="90000"/>
-              </a:lnSpc>
-              <a:spcBef>
-                <a:spcPct val="20000"/>
-              </a:spcBef>
-              <a:buFont typeface="Arial" pitchFamily="34" charset="0"/>
-            </a:pPr>
-            <a:r>
-              <a:rPr lang="en-US" sz="1600" dirty="0"/>
-              <a:t>His key requirements are:</a:t>
-            </a:r>
-          </a:p>
-          <a:p>
-            <a:pPr>
-              <a:lnSpc>
-                <a:spcPct val="90000"/>
-              </a:lnSpc>
-              <a:spcBef>
-                <a:spcPct val="20000"/>
-              </a:spcBef>
-              <a:buFont typeface="Arial" pitchFamily="34" charset="0"/>
-            </a:pPr>
-            <a:endParaRPr lang="en-US" sz="1600" dirty="0"/>
-          </a:p>
-          <a:p>
-            <a:pPr marL="285750" indent="-285750">
-              <a:lnSpc>
-                <a:spcPct val="90000"/>
-              </a:lnSpc>
-              <a:spcBef>
-                <a:spcPct val="20000"/>
-              </a:spcBef>
-              <a:buFont typeface="Arial" panose="020B0604020202020204" pitchFamily="34" charset="0"/>
-              <a:buChar char="•"/>
-            </a:pPr>
-            <a:r>
-              <a:rPr lang="en-US" sz="1600" dirty="0"/>
-              <a:t>Design a process to automate the shopping cart for products available at the global API of our organization</a:t>
-            </a:r>
-          </a:p>
-          <a:p>
-            <a:pPr marL="285750" indent="-285750">
-              <a:lnSpc>
-                <a:spcPct val="90000"/>
-              </a:lnSpc>
-              <a:spcBef>
-                <a:spcPct val="20000"/>
-              </a:spcBef>
-              <a:buFont typeface="Arial" panose="020B0604020202020204" pitchFamily="34" charset="0"/>
-              <a:buChar char="•"/>
-            </a:pPr>
-            <a:r>
-              <a:rPr lang="en-US" sz="1600" dirty="0"/>
-              <a:t>As part of the input user can request a discount % to each of the product</a:t>
-            </a:r>
-          </a:p>
-          <a:p>
-            <a:pPr marL="285750" indent="-285750">
-              <a:lnSpc>
-                <a:spcPct val="90000"/>
-              </a:lnSpc>
-              <a:spcBef>
-                <a:spcPct val="20000"/>
-              </a:spcBef>
-              <a:buFont typeface="Arial" panose="020B0604020202020204" pitchFamily="34" charset="0"/>
-              <a:buChar char="•"/>
-            </a:pPr>
-            <a:r>
-              <a:rPr lang="en-US" sz="1600" dirty="0"/>
-              <a:t>The approval should be sent parallelly to VP and manager with a table showing products and total value with discount</a:t>
-            </a:r>
-          </a:p>
-          <a:p>
-            <a:pPr marL="285750" indent="-285750">
-              <a:lnSpc>
-                <a:spcPct val="90000"/>
-              </a:lnSpc>
-              <a:spcBef>
-                <a:spcPct val="20000"/>
-              </a:spcBef>
-              <a:buFont typeface="Arial" panose="020B0604020202020204" pitchFamily="34" charset="0"/>
-              <a:buChar char="•"/>
-            </a:pPr>
-            <a:r>
-              <a:rPr lang="en-US" sz="1600" dirty="0"/>
-              <a:t>Once both the manager and VP approves the requests, an approval email will be sent to requestor</a:t>
-            </a:r>
-          </a:p>
-          <a:p>
-            <a:pPr marL="285750" indent="-285750">
-              <a:lnSpc>
-                <a:spcPct val="90000"/>
-              </a:lnSpc>
-              <a:spcBef>
-                <a:spcPct val="20000"/>
-              </a:spcBef>
-              <a:buFont typeface="Arial" panose="020B0604020202020204" pitchFamily="34" charset="0"/>
-              <a:buChar char="•"/>
-            </a:pPr>
-            <a:r>
-              <a:rPr lang="en-US" sz="1600" dirty="0"/>
-              <a:t>If VP do not take action on shopping cart request for more than 5 minutes, we should proceed w/o approval</a:t>
-            </a:r>
-          </a:p>
-          <a:p>
-            <a:pPr>
-              <a:lnSpc>
-                <a:spcPct val="90000"/>
-              </a:lnSpc>
-              <a:spcBef>
-                <a:spcPct val="20000"/>
-              </a:spcBef>
-              <a:buFont typeface="Arial" pitchFamily="34" charset="0"/>
-            </a:pPr>
-            <a:endParaRPr lang="en-US" sz="1600" dirty="0"/>
-          </a:p>
-          <a:p>
-            <a:pPr>
-              <a:lnSpc>
-                <a:spcPct val="90000"/>
-              </a:lnSpc>
-              <a:spcBef>
-                <a:spcPct val="20000"/>
-              </a:spcBef>
-              <a:buFont typeface="Arial" pitchFamily="34" charset="0"/>
-            </a:pPr>
-            <a:endParaRPr lang="en-US" sz="1600" dirty="0"/>
+              <a:buNone/>
+              <a:defRPr lang="en-US" sz="2600" b="1" kern="1200">
+                <a:gradFill>
+                  <a:gsLst>
+                    <a:gs pos="0">
+                      <a:srgbClr val="002060"/>
+                    </a:gs>
+                    <a:gs pos="100000">
+                      <a:srgbClr val="0070C0"/>
+                    </a:gs>
+                  </a:gsLst>
+                  <a:lin ang="5400000" scaled="0"/>
+                </a:gradFill>
+                <a:latin typeface="Cooper Black" panose="0208090404030B020404" pitchFamily="18" charset="0"/>
+                <a:ea typeface="+mj-ea"/>
+                <a:cs typeface="Arial" pitchFamily="34" charset="0"/>
+              </a:defRPr>
+            </a:lvl1pPr>
+          </a:lstStyle>
+          <a:p>
+            <a:r>
+              <a:rPr lang="en-IN" sz="2500" dirty="0"/>
+              <a:t>Decision Table</a:t>
+            </a:r>
           </a:p>
         </p:txBody>
       </p:sp>
-      <p:pic>
-        <p:nvPicPr>
-          <p:cNvPr id="7" name="Picture 2" descr="Man manager administrator consultant avatar Vector Image">
+      <p:sp>
+        <p:nvSpPr>
+          <p:cNvPr id="7" name="TextBox 6">
             <a:extLst>
               <a:ext uri="{FF2B5EF4-FFF2-40B4-BE49-F238E27FC236}">
-                <a16:creationId xmlns:a16="http://schemas.microsoft.com/office/drawing/2014/main" id="{4AC7C739-318E-FEFA-276D-5B93FC59F2D0}"/>
+                <a16:creationId xmlns:a16="http://schemas.microsoft.com/office/drawing/2014/main" id="{3B8937AB-E254-7E14-46C0-B7F13AB38E96}"/>
               </a:ext>
             </a:extLst>
           </p:cNvPr>
-          <p:cNvPicPr>
-            <a:picLocks noChangeAspect="1" noChangeArrowheads="1"/>
-          </p:cNvPicPr>
+          <p:cNvSpPr txBox="1"/>
           <p:nvPr/>
-        </p:nvPicPr>
-        <p:blipFill rotWithShape="1">
-          <a:blip r:embed="rId2" cstate="print">
-            <a:extLst>
-              <a:ext uri="{28A0092B-C50C-407E-A947-70E740481C1C}">
-                <a14:useLocalDpi xmlns:a14="http://schemas.microsoft.com/office/drawing/2010/main" val="0"/>
-              </a:ext>
-            </a:extLst>
-          </a:blip>
-          <a:srcRect l="9218" t="8000" r="11483" b="18500"/>
-          <a:stretch/>
-        </p:blipFill>
-        <p:spPr bwMode="auto">
+        </p:nvSpPr>
+        <p:spPr>
           <a:xfrm>
-            <a:off x="5943600" y="1276350"/>
-            <a:ext cx="2609498" cy="2664296"/>
+            <a:off x="61274" y="2009179"/>
+            <a:ext cx="8915400" cy="1815882"/>
           </a:xfrm>
           <a:prstGeom prst="rect">
             <a:avLst/>
           </a:prstGeom>
           <a:noFill/>
-          <a:extLst>
-            <a:ext uri="{909E8E84-426E-40DD-AFC4-6F175D3DCCD1}">
-              <a14:hiddenFill xmlns:a14="http://schemas.microsoft.com/office/drawing/2010/main">
-                <a:solidFill>
-                  <a:srgbClr val="FFFFFF"/>
-                </a:solidFill>
-              </a14:hiddenFill>
-            </a:ext>
-          </a:extLst>
         </p:spPr>
-      </p:pic>
+        <p:txBody>
+          <a:bodyPr wrap="square" rtlCol="0">
+            <a:spAutoFit/>
+          </a:bodyPr>
+          <a:lstStyle/>
+          <a:p>
+            <a:r>
+              <a:rPr lang="en-IN" sz="1400" dirty="0"/>
+              <a:t>When we need to determine multiple conditions, then we can opt for decision table. A control will create branch(s) in the business process but a decision table is a step itself. The control will be used to trigger multiple steps and manage the flow of process at runtime but the decision table is predominantly used to determine the context data at runtime.</a:t>
+            </a:r>
+          </a:p>
+          <a:p>
+            <a:endParaRPr lang="en-IN" sz="1400" dirty="0"/>
+          </a:p>
+          <a:p>
+            <a:r>
+              <a:rPr lang="en-IN" sz="1400" dirty="0"/>
+              <a:t>e.g. If the sales order type is OR – Standard Order – approval should go to Anubhav – </a:t>
+            </a:r>
+            <a:r>
+              <a:rPr lang="en-IN" sz="1400" dirty="0">
+                <a:hlinkClick r:id="rId2"/>
+              </a:rPr>
+              <a:t>Anubhav.abap@gmail.com</a:t>
+            </a:r>
+            <a:endParaRPr lang="en-IN" sz="1400" dirty="0"/>
+          </a:p>
+          <a:p>
+            <a:r>
+              <a:rPr lang="en-IN" sz="1400" dirty="0"/>
+              <a:t>If the order type is IN – inquiry – approval should go to Vaishali – </a:t>
+            </a:r>
+            <a:r>
+              <a:rPr lang="en-IN" sz="1400" dirty="0">
+                <a:hlinkClick r:id="rId3"/>
+              </a:rPr>
+              <a:t>Vaishali@evotrainingsolutions.com</a:t>
+            </a:r>
+            <a:endParaRPr lang="en-IN" sz="1400" dirty="0"/>
+          </a:p>
+          <a:p>
+            <a:endParaRPr lang="en-IN" sz="1400" dirty="0"/>
+          </a:p>
+          <a:p>
+            <a:r>
+              <a:rPr lang="en-IN" sz="1400" dirty="0"/>
+              <a:t>Example of dynamic agent determination like we do in classic </a:t>
+            </a:r>
+            <a:r>
+              <a:rPr lang="en-IN" sz="1400" dirty="0" err="1"/>
+              <a:t>abap</a:t>
+            </a:r>
+            <a:r>
+              <a:rPr lang="en-IN" sz="1400" dirty="0"/>
+              <a:t> workflow.</a:t>
+            </a:r>
+          </a:p>
+        </p:txBody>
+      </p:sp>
     </p:spTree>
     <p:extLst>
       <p:ext uri="{BB962C8B-B14F-4D97-AF65-F5344CB8AC3E}">
-        <p14:creationId xmlns:p14="http://schemas.microsoft.com/office/powerpoint/2010/main" val="3697441547"/>
+        <p14:creationId xmlns:p14="http://schemas.microsoft.com/office/powerpoint/2010/main" val="2125346993"/>
       </p:ext>
     </p:extLst>
   </p:cSld>
@@ -17753,6 +18286,184 @@
       </p:transition>
     </mc:Fallback>
   </mc:AlternateContent>
+</p:sld>
+</file>
+
+<file path=ppt/slides/slide9.xml><?xml version="1.0" encoding="utf-8"?>
+<p:sld xmlns:a="http://schemas.openxmlformats.org/drawingml/2006/main" xmlns:r="http://schemas.openxmlformats.org/officeDocument/2006/relationships" xmlns:p="http://schemas.openxmlformats.org/presentationml/2006/main">
+  <p:cSld>
+    <p:spTree>
+      <p:nvGrpSpPr>
+        <p:cNvPr id="1" name=""/>
+        <p:cNvGrpSpPr/>
+        <p:nvPr/>
+      </p:nvGrpSpPr>
+      <p:grpSpPr>
+        <a:xfrm>
+          <a:off x="0" y="0"/>
+          <a:ext cx="0" cy="0"/>
+          <a:chOff x="0" y="0"/>
+          <a:chExt cx="0" cy="0"/>
+        </a:xfrm>
+      </p:grpSpPr>
+      <p:sp>
+        <p:nvSpPr>
+          <p:cNvPr id="2" name="Footer Placeholder 1">
+            <a:extLst>
+              <a:ext uri="{FF2B5EF4-FFF2-40B4-BE49-F238E27FC236}">
+                <a16:creationId xmlns:a16="http://schemas.microsoft.com/office/drawing/2014/main" id="{449D3D8C-552E-332B-4853-44A54D692F8A}"/>
+              </a:ext>
+            </a:extLst>
+          </p:cNvPr>
+          <p:cNvSpPr>
+            <a:spLocks noGrp="1"/>
+          </p:cNvSpPr>
+          <p:nvPr>
+            <p:ph type="ftr" sz="quarter" idx="11"/>
+          </p:nvPr>
+        </p:nvSpPr>
+        <p:spPr/>
+        <p:txBody>
+          <a:bodyPr/>
+          <a:lstStyle/>
+          <a:p>
+            <a:r>
+              <a:rPr lang="en-US"/>
+              <a:t>www.anubhavtrainings.com</a:t>
+            </a:r>
+            <a:endParaRPr lang="en-US" dirty="0"/>
+          </a:p>
+        </p:txBody>
+      </p:sp>
+      <p:sp>
+        <p:nvSpPr>
+          <p:cNvPr id="3" name="Slide Number Placeholder 2">
+            <a:extLst>
+              <a:ext uri="{FF2B5EF4-FFF2-40B4-BE49-F238E27FC236}">
+                <a16:creationId xmlns:a16="http://schemas.microsoft.com/office/drawing/2014/main" id="{A99932A6-8E51-D475-38C6-9397162A4888}"/>
+              </a:ext>
+            </a:extLst>
+          </p:cNvPr>
+          <p:cNvSpPr>
+            <a:spLocks noGrp="1"/>
+          </p:cNvSpPr>
+          <p:nvPr>
+            <p:ph type="sldNum" sz="quarter" idx="12"/>
+          </p:nvPr>
+        </p:nvSpPr>
+        <p:spPr/>
+        <p:txBody>
+          <a:bodyPr/>
+          <a:lstStyle/>
+          <a:p>
+            <a:fld id="{B6F15528-21DE-4FAA-801E-634DDDAF4B2B}" type="slidenum">
+              <a:rPr lang="en-US" smtClean="0"/>
+              <a:pPr/>
+              <a:t>9</a:t>
+            </a:fld>
+            <a:endParaRPr lang="en-US"/>
+          </a:p>
+        </p:txBody>
+      </p:sp>
+      <p:sp>
+        <p:nvSpPr>
+          <p:cNvPr id="4" name="Title 3">
+            <a:extLst>
+              <a:ext uri="{FF2B5EF4-FFF2-40B4-BE49-F238E27FC236}">
+                <a16:creationId xmlns:a16="http://schemas.microsoft.com/office/drawing/2014/main" id="{9F59FFD7-EA12-C660-B3F1-A6FAC90130CE}"/>
+              </a:ext>
+            </a:extLst>
+          </p:cNvPr>
+          <p:cNvSpPr>
+            <a:spLocks noGrp="1"/>
+          </p:cNvSpPr>
+          <p:nvPr>
+            <p:ph type="title"/>
+          </p:nvPr>
+        </p:nvSpPr>
+        <p:spPr/>
+        <p:txBody>
+          <a:bodyPr/>
+          <a:lstStyle/>
+          <a:p>
+            <a:r>
+              <a:rPr lang="en-IN" dirty="0"/>
+              <a:t>Adding Conditions</a:t>
+            </a:r>
+          </a:p>
+        </p:txBody>
+      </p:sp>
+      <p:pic>
+        <p:nvPicPr>
+          <p:cNvPr id="6" name="Picture 5">
+            <a:extLst>
+              <a:ext uri="{FF2B5EF4-FFF2-40B4-BE49-F238E27FC236}">
+                <a16:creationId xmlns:a16="http://schemas.microsoft.com/office/drawing/2014/main" id="{04D863BC-A25D-ACA6-4F16-095BACECBF49}"/>
+              </a:ext>
+            </a:extLst>
+          </p:cNvPr>
+          <p:cNvPicPr>
+            <a:picLocks noChangeAspect="1"/>
+          </p:cNvPicPr>
+          <p:nvPr/>
+        </p:nvPicPr>
+        <p:blipFill>
+          <a:blip r:embed="rId2"/>
+          <a:stretch>
+            <a:fillRect/>
+          </a:stretch>
+        </p:blipFill>
+        <p:spPr>
+          <a:xfrm>
+            <a:off x="120869" y="971550"/>
+            <a:ext cx="4261031" cy="2088243"/>
+          </a:xfrm>
+          <a:prstGeom prst="rect">
+            <a:avLst/>
+          </a:prstGeom>
+        </p:spPr>
+      </p:pic>
+      <p:pic>
+        <p:nvPicPr>
+          <p:cNvPr id="8" name="Picture 7">
+            <a:extLst>
+              <a:ext uri="{FF2B5EF4-FFF2-40B4-BE49-F238E27FC236}">
+                <a16:creationId xmlns:a16="http://schemas.microsoft.com/office/drawing/2014/main" id="{4B4630C4-E085-624B-C118-DE5E4D8B8281}"/>
+              </a:ext>
+            </a:extLst>
+          </p:cNvPr>
+          <p:cNvPicPr>
+            <a:picLocks noChangeAspect="1"/>
+          </p:cNvPicPr>
+          <p:nvPr/>
+        </p:nvPicPr>
+        <p:blipFill>
+          <a:blip r:embed="rId3"/>
+          <a:srcRect l="8839" t="5555" r="2959" b="7037"/>
+          <a:stretch>
+            <a:fillRect/>
+          </a:stretch>
+        </p:blipFill>
+        <p:spPr>
+          <a:xfrm>
+            <a:off x="4648200" y="2190750"/>
+            <a:ext cx="4339525" cy="2438400"/>
+          </a:xfrm>
+          <a:prstGeom prst="rect">
+            <a:avLst/>
+          </a:prstGeom>
+        </p:spPr>
+      </p:pic>
+    </p:spTree>
+    <p:extLst>
+      <p:ext uri="{BB962C8B-B14F-4D97-AF65-F5344CB8AC3E}">
+        <p14:creationId xmlns:p14="http://schemas.microsoft.com/office/powerpoint/2010/main" val="1093584589"/>
+      </p:ext>
+    </p:extLst>
+  </p:cSld>
+  <p:clrMapOvr>
+    <a:masterClrMapping/>
+  </p:clrMapOvr>
 </p:sld>
 </file>
 

--- a/Day 7/SAP Build Training Day 7.pptx
+++ b/Day 7/SAP Build Training Day 7.pptx
@@ -245,7 +245,7 @@
           <a:p>
             <a:fld id="{74CD1819-8EAB-4094-BBB1-E11C3AABA846}" type="datetimeFigureOut">
               <a:rPr lang="en-US" smtClean="0"/>
-              <a:t>7/16/2025</a:t>
+              <a:t>7/17/2025</a:t>
             </a:fld>
             <a:endParaRPr lang="en-US"/>
           </a:p>
@@ -326,6 +326,150 @@
   </p:cSld>
   <p:clrMap bg1="lt1" tx1="dk1" bg2="lt2" tx2="dk2" accent1="accent1" accent2="accent2" accent3="accent3" accent4="accent4" accent5="accent5" accent6="accent6" hlink="hlink" folHlink="folHlink"/>
 </p:handoutMaster>
+</file>
+
+<file path=ppt/ink/ink1.xml><?xml version="1.0" encoding="utf-8"?>
+<inkml:ink xmlns:inkml="http://www.w3.org/2003/InkML">
+  <inkml:definitions>
+    <inkml:context xml:id="ctx0">
+      <inkml:inkSource xml:id="inkSrc0">
+        <inkml:traceFormat>
+          <inkml:channel name="X" type="integer" max="2560" units="cm"/>
+          <inkml:channel name="Y" type="integer" max="1600" units="cm"/>
+          <inkml:channel name="T" type="integer" max="2.14748E9" units="dev"/>
+        </inkml:traceFormat>
+        <inkml:channelProperties>
+          <inkml:channelProperty channel="X" name="resolution" value="74.2029" units="1/cm"/>
+          <inkml:channelProperty channel="Y" name="resolution" value="74.4186" units="1/cm"/>
+          <inkml:channelProperty channel="T" name="resolution" value="1" units="1/dev"/>
+        </inkml:channelProperties>
+      </inkml:inkSource>
+      <inkml:timestamp xml:id="ts0" timeString="2025-07-17T04:19:32.831"/>
+    </inkml:context>
+    <inkml:brush xml:id="br0">
+      <inkml:brushProperty name="width" value="0.05292" units="cm"/>
+      <inkml:brushProperty name="height" value="0.05292" units="cm"/>
+    </inkml:brush>
+  </inkml:definitions>
+  <inkml:trace contextRef="#ctx0" brushRef="#br0">4118 8394 0,'10'0'15,"-20"0"-15,10 0 16,-10 10-16,10 10 31,-20 10 1,20-11-17,-30 81 1,20-61-1,-20 170 17,30-160-32,20 100 31,-10-119-31,60 89 31,-41-99-31,90 59 16,-79-69-1,139-10 1,-130-10 0,120-69-1,-129 59 1,-11 0-16,41-69 16,-50 59-1,59-178 1,-69 158-1,40-109 1,-50 129 0,10-39-1,-20 59 1,0 10-16,-20 0 16,20 0-16,-30 20 31</inkml:trace>
+  <inkml:trace contextRef="#ctx0" brushRef="#br0" timeOffset="2080.63">3989 8404 0,'10'10'16,"-1"0"0,130 0-1,-79-10 1,19 0-16,189 0 15,-179-10 1,11 10-16,197-20 16,-247 20-1,49 0 1,-89 0 15,0 10 0,10 0-15,49-10 93,-69-10-77,-10 10-1,10-10-15,0 0-1,0 0 1,0-10-1,-19-39 17,9 29-17,10 10-15,0 0 16,-20-49 0,20 59-1,0-40 1,-10 50-16,-20-20 31,20 20-15,-10 0-16,-29 0 15,19 0 1,-30 10 0,31-10 15,-11 10 0,30-10-15,-20 0-1,20 0 1,10-10 93,0 0-93,-10-39 15,0 39-15,10 0-16,-9-30 15,-1 20 1,-10-39 0,-10-21 15,10 51-15,10 19-16,-20-10 15,-89-20 16,10 40 1,89 10-17,11-10-15,-31 30 16,10 20 15,20-31-31,10-9 16,-10 40-1,0-40-15,-10 59 32,11-29-1,9-30-31,0 10 31,0-10 0,0 10 1,0-1-1,0-29 16,-10 1-16,0 9-15,0-10-16,-30 10 15,-79 0 17,99 0-17,-49 0 1,-21 29 15,81-19-15,-21 40-1,20-40 1,-10 49 0,20-39-16,-10 40 31,10-30-16,20 9 1,-10-39 0,59 10-1,-49-10 1,0 0-16,30 0 16</inkml:trace>
+  <inkml:trace contextRef="#ctx0" brushRef="#br0" timeOffset="2810.81">4197 8979 0,'0'0'0,"10"20"47,0 0-32,0-10-15,0 0 16,69 39 0,-49-39-1,79-20 1,-79 1-1,59-51 1,-79 40 0,0 0-16,-20-29 15,10 39 1,-20 10-16</inkml:trace>
+  <inkml:trace contextRef="#ctx0" brushRef="#br0" timeOffset="3256.32">4296 8761 0,'0'0'0,"-10"0"16,0-10-1,30 10 32,-20 10-47,0 10 16,-49-10 15,29-40 0,20 20-15,29-30 0,-19 31-1,30-11 1,-40 30-1</inkml:trace>
+  <inkml:trace contextRef="#ctx0" brushRef="#br0" timeOffset="3602.3">4534 8711 0,'0'0'0,"10"10"47,-10 0-31,20 10 0,-20-10-1,-20 10 1,-10-30 15,30 0-15,0-40-1,0 41 1,20 9 0,-20 19-1</inkml:trace>
+  <inkml:trace contextRef="#ctx0" brushRef="#br0" timeOffset="4792.8">4098 9376 0,'10'-30'16,"-20"60"-16,30-60 16,-20 21-1,-10 9 1,10 9-16,-40 41 15,-59 99 17,69-109-32,0-1 15,-109 150 17,119-169-32,1 29 31,29-29-16,59 10 1,-39-10 0,99 19-1,-90-29 1,1 0-16,69 20 16,-79-20-1,59 40 1,-29-21-1,138 11 17,-148-40-17,168 10 1,-49-20 15,-129 0-15,9-20 15,-49 20-15,0 0-1,-30-49 17,20 19-17,-29-119 1,-21-69 15,50 179-15,-29-70-1,-1 69 1,-30-10 15,61 60-15,-21-9-1,20 9-15,-10 0 32,10 9-17</inkml:trace>
+  <inkml:trace contextRef="#ctx0" brushRef="#br0" timeOffset="5914.64">2451 9922 0,'0'0'0,"-60"-70"16,60 51-1,20-71 1,59 61 15,-69 48-15,10 1-16,10 70 15,-40 78 17,-50-78-1,31-110 0,29 0-31,0-10 16,89-208 15,20 159 0,-39 208 1,-90 9-1,-30-78 0,50-120 0,50-39-15,49-10 15,-59 169 0,-40-41-31,-30 91 32,10-61-32</inkml:trace>
+  <inkml:trace contextRef="#ctx0" brushRef="#br0" timeOffset="6287.29">3056 9872 0,'0'0'16,"0"-10"-16,0 0 15,-10 1-15,0 9 0,0-10 16,-39 20 15,49-1-31,-20 51 31,20-30-31,20 69 32,-1-89-17,-9-10-15,30-60 32,-20-88-1,-70 88 0,11 90-15</inkml:trace>
+  <inkml:trace contextRef="#ctx0" brushRef="#br0" timeOffset="6710.72">3165 9674 0,'0'0'0,"-10"-30"32,10 110-1,10 138 0,-40-89 0,30-119 1,30-119-1,30 29 0,-11 130 0,-39 89 1,-20-110-32</inkml:trace>
+  <inkml:trace contextRef="#ctx0" brushRef="#br0" timeOffset="7198.93">3522 10061 0,'0'-20'31,"0"10"-31,0-30 32,0 30-32,-20-19 31,-39 58 0,39 1-15,-20 50 15,80-51 0,39-58 1,-39-61-1,-20 61 0,-20 38-31,10 21 16,-10 79 15,10-79-15</inkml:trace>
+  <inkml:trace contextRef="#ctx0" brushRef="#br0" timeOffset="7584.68">3641 10051 0,'10'-10'31,"-20"20"-31,40-20 31,10 60 0,-40-31-31,0 1 16,-20 89 15,20-99-31,0-39 32,59-61-1,-39 70-31,30 1 31,0 118 0,-41-10 1</inkml:trace>
+  <inkml:trace contextRef="#ctx0" brushRef="#br0" timeOffset="15867.22">17611 6896 0,'0'0'0,"10"0"15,-10-20 1,-10 10-1,0 10-15,-9 0 16,-21 79 15,30-49-15,-20 129 0,30-109-1,30 138 1,-10-138-1,99 89 1,-30-90 0,129 11-1,-158-50 1,0-10-16,98-40 16,-108 10-1,109-139 1,-130 110-1,31-189 1,-60 188 0,-10 11-16,-30-50 15,11 79 1,9 10-16,-60 0 16,41 20-1,-21 29 1</inkml:trace>
+  <inkml:trace contextRef="#ctx0" brushRef="#br0" timeOffset="17609.74">17492 6916 0,'-49'0'31,"98"0"-31,-9 10 31,19-1-31,299 11 32,-239-10-32,476 30 31,-258-20 0,-307-20-31,-10 10 16,-10-10 15,-70-20 0,41 20 0,28 0 1,11-30-1,-20 10-15,0 10-16,10-89 31,-20 0 0,0 79-31,0 10 0,-9 0 16,-91 0 15,-58 10 0,29 0 0,119 0-31,-30-734 32,41 1478-1,-1-744-31,0 10 31,-20 0 0,20-10 1,20-10 15,-10 0 46,-20 0-77,10 0 0,-10 0-1,10 10 1,-19 0-1,9 0 17,0 0 30,-79 0-31,69 0-15,-149-19 0,130 19-1,-1-10-15,-89-10 16,90 10 0,9 10-16,-79-10 15,99 10 1,-30 30-1,40-10 17,1-20-17,9 9 1,-10 11 93,10 20-77,0-20-17,0 39 1,-20 21 15,20-70-15,-10 10-1,10-11 1,49-18 0,-29-1-1,89 0 1</inkml:trace>
+  <inkml:trace contextRef="#ctx0" brushRef="#br0" timeOffset="18330.62">17988 6707 0,'0'0'0,"-10"-20"15,1 20 1,-11-19 0,0 19-1,10-10-15,-20 0 16,20 10-1,10-30 1,70-20 15,-50 30-15,9 1-16,120-31 16,-99 40-1,99 50 1,-120-20-1,11 79 1,-40-69 0,-40 59-1,30-69-15,0-10 16</inkml:trace>
+  <inkml:trace contextRef="#ctx0" brushRef="#br0" timeOffset="19028.75">17849 7322 0,'0'-10'0,"-9"10"16,-1 0-16,0 10 16,39 70 15,-9-60-15,-10-1-16,10 1 0,10 0 15,79 20 1,-79-40-16,69-80 31,-79 31-15</inkml:trace>
+  <inkml:trace contextRef="#ctx0" brushRef="#br0" timeOffset="19275.28">17849 7144 0,'10'0'31,"20"10"-15,-10-10-16</inkml:trace>
+  <inkml:trace contextRef="#ctx0" brushRef="#br0" timeOffset="19432.16">18098 7174 0,'0'0'0,"9"0"16,11 0 0,-10 0-1</inkml:trace>
+  <inkml:trace contextRef="#ctx0" brushRef="#br0" timeOffset="20040.75">18871 7640 0,'0'0'0,"60"-30"31,-40 20-31,-10-10 16,49-49 0,-79-10 15,1 69-15,-11 10-16,-89 10 15,-20 89 16,169-10-15,158 60 15,-148-119-15,-1-11-16,31 51 16,-130-20 15,31-50-31,-21 0 15,-109-40 1,120 20 0,9-10-16</inkml:trace>
+  <inkml:trace contextRef="#ctx0" brushRef="#br0" timeOffset="20396.09">19239 7729 0,'0'0'0,"-30"-20"31,20 20-15,-30 20 0,30-10-16,10 10 15,0 30 1,30-11-1,20 1 1,49-30 15,-89-20-31,10-69 32,-110-11-1,70 90-31,1 0 15,9 10 1</inkml:trace>
+  <inkml:trace contextRef="#ctx0" brushRef="#br0" timeOffset="20667.18">19645 7570 0,'0'0'15,"0"-138"1,-29 108 15,19 50-15,-10 9-16,0 11 0,0 10 16,-39 198-1,49-179-15,10-9 16,10 89-1,-10-110-15,9-9 16,1-10 0,-10-30-1</inkml:trace>
+  <inkml:trace contextRef="#ctx0" brushRef="#br0" timeOffset="20841.89">19447 7858 0,'0'0'0,"0"-59"16,10 29-1,69 10 1,70 20 15,-119 0-15,-10 0-16</inkml:trace>
+  <inkml:trace contextRef="#ctx0" brushRef="#br0" timeOffset="21030.73">19794 7660 0,'0'0'32,"10"-60"-32,0 40 31,0 30-31,-30 347 62</inkml:trace>
+  <inkml:trace contextRef="#ctx0" brushRef="#br0" timeOffset="21614.02">19784 7809 0,'0'0'0,"0"-10"16,40 10 15,79 0 0,-89-10-31,-1 0 16,21-10 0,-40 0 15,-20 50 0,0 49 0,30 1 1,-10-70-17,49-50 16,-29-40 1,-20 71-1,-10 108 0,60-10 0,29-139 1,-39-88-1,-60 58 0,0 90-15</inkml:trace>
+  <inkml:trace contextRef="#ctx0" brushRef="#br0" timeOffset="21985.9">20598 7838 0,'0'-10'0,"0"0"15,-10-49 16,-10 59 1,-39 79-1,49-59-31,-10 50 31,59-51 0,1-38-15,10-31 0,-30 40-16,9-30 31,-29 80 0,-10 49-15</inkml:trace>
+  <inkml:trace contextRef="#ctx0" brushRef="#br0" timeOffset="22293.52">20796 7789 0,'0'-20'0,"0"10"0,0 40 0,0-70 16,20 80 15,10 99 0,-30-110-31,-20 21 32,0-100-1,80-118 0,49 118 0</inkml:trace>
+  <inkml:trace contextRef="#ctx0" brushRef="#br0" timeOffset="22663.33">21094 7868 0,'-10'0'47,"10"10"0,40 0-16,-30-20-31,0 0 16,29-79 15,-59-10 1,-49 158-1,59-29-31,30 109 31,49-30-15</inkml:trace>
+  <inkml:trace contextRef="#ctx0" brushRef="#br0" timeOffset="23822.3">20032 8344 0,'0'0'0,"-20"0"32,40 70-1,40-1 0,19-89 0,-49-99 1,-40 90-32,-40-81 31,1 120-16,19 139 17,90 30-1,-41-159-31,130-30 31,-79-149 0,-70 60 1,0 138-1,0-19-31,0 70 31,10-41 0,19-108 1,61-31-1,-70 90-31,-1 0 0,1 0 16,20 70 15,-40-50-31,10-10 15,30 69 17,69-109-1,0-19 0,-99 39-31,0-40 31,-30 10 1,-20 60-1,20 109 0,20-99-31,10 109 31,-10-99-15,-20-1 0,-49-69 15,59 11-31,10-1 0</inkml:trace>
+  <inkml:trace contextRef="#ctx0" brushRef="#br0" timeOffset="23984.82">20985 8404 0,'10'0'0,"-20"0"0,30 0 15,-10 10 17,-10-20-1</inkml:trace>
+  <inkml:trace contextRef="#ctx0" brushRef="#br0" timeOffset="24648.6">21193 8344 0,'0'0'0,"0"-19"16,-10 9-16,-10-20 15,1 20 1,-31 10 0,40 10-1,-40 39 1,40-29-16,30 70 31,-10-80-15,70-1-1,-70-9 1,39-19 0,-39 19-1,-20 10 1,0 9 0,0-9-16,-39 70 15,29-51-15,0 1 16,-20 59-1,11-69 17,29-30-17,-30-69 1,20 59 0,30-59-1,9 59 1,-19 20-16,80 20 31</inkml:trace>
+  <inkml:trace contextRef="#ctx0" brushRef="#br0" timeOffset="24808.66">21392 8493 0,'0'0'0,"-20"0"32,20-10-17</inkml:trace>
+  <inkml:trace contextRef="#ctx0" brushRef="#br0" timeOffset="27950.98">17899 8662 0,'10'-10'16,"-30"40"15,30 109 0,0 19 0,-10-138-31,10 20 32</inkml:trace>
+  <inkml:trace contextRef="#ctx0" brushRef="#br0" timeOffset="28335.73">18157 8652 0,'0'0'0,"30"-40"31,-20 20-31,0-29 31,-80 19 0,50 30-31,-49 20 32,109 59-1,79-9 0,-70-11 0,-59-59-31,-109 30 32,99-30-32</inkml:trace>
+  <inkml:trace contextRef="#ctx0" brushRef="#br0" timeOffset="28558.85">18405 8483 0,'0'0'0,"0"30"31,-10 79 0,40 30 1,-30-99-17,0-20 1</inkml:trace>
+  <inkml:trace contextRef="#ctx0" brushRef="#br0" timeOffset="29182.12">18385 8711 0,'0'-19'16,"0"9"-16,0 39 0,10-58 31,70 49 1,-51-20-32,-9 0 15,99 0 1,-30-30 15,-108 10 0,-1 20-31,10 0 16,-30 20 0,20 39 15,100-49 0,-60-10-31,59-30 31,-29-19 1,-41 49-32,-18 49 31,-11 209 0,20-218-31,0 0 16,-20 29-1,-30-79 17,50-158-1,149 9 0,-30 149 0,-99 40-31</inkml:trace>
+  <inkml:trace contextRef="#ctx0" brushRef="#br0" timeOffset="30950.62">17978 9595 0,'0'0'16,"0"-50"15,0 119 0,0 169 0,0-99 1,0-158-1,0-71-16,20-158 17,0 99-1,20 239 0,-40-61-31,40 130 31,-21-40 1,1-158-1,50-140 0,-51 139-31,81-69 31,-21 208 1,-79-69-32,10 20 0,-10 99 31,0-80-15</inkml:trace>
+  <inkml:trace contextRef="#ctx0" brushRef="#br0" timeOffset="31956.62">18584 9823 0,'0'0'0,"39"0"93,51 0-77,-71 0 0,11-20-1,-30 10 1,-39-59 0,-11 287 77,80-198-77,138-10 0,21-90 15,-169 60-16,10-109 1,-30 100 0,-10-41-1,0 70 1,-10 30 0,10 0-1,10-10-15,-20 108 16,20-98-1,10 40 1,10-70 0,59-30-1,-49 0 1,59-119 0,-69 100-16,20-90 31,-40 119-16,0 10-15,0 60 16,0-21 0,-10 110-1,10-99 1,0-10-16,0 49 16,0-69-16,0 10 31,20-40-16,19-30 1,-29 41 0,10-1-16,40-10 15,-50 20 1,9 49 0,-19-39-1,30 30 1,-10-30-1,0 0-15,49-10 16,-49 0 0,0-10-16,10 0 15</inkml:trace>
+  <inkml:trace contextRef="#ctx0" brushRef="#br0" timeOffset="32099.55">19804 9892 0,'0'0'0,"10"-20"16,-10 0 15</inkml:trace>
+  <inkml:trace contextRef="#ctx0" brushRef="#br0" timeOffset="42789.86">18167 10587 0,'0'0'0,"10"0"15,0 0 48,0 0-48,-10 10 17,-10-10-17,10 10-15,-40 29 16,-59-9 15,29-50 0,61 10-15,9 0-16,19-49 16,-9 39-1,70-59 1,-51 69 0,71 20-1,-81 9 1,11 150-1,-30-119 1,-89 108 0,59-128-1,-138 50 1,88-80 0,-19-20-1,79 10-15,40-119 31,119 59 1,-109 70-17,19 90 1,-39-70 0,10 89-1,-20-89 1,10-11-16,20 21 15,-10-30 1,108-20 0,-48-9 15,-70 29-15,-20 0 15,10-10 16</inkml:trace>
+  <inkml:trace contextRef="#ctx0" brushRef="#br0" timeOffset="43463.11">18584 10855 0,'0'0'0,"-10"-10"15,-30 0 1,30 10 0,-10-10-1,60 10 16,-30 0-15,89 0 0,-79 0-1,30 0 1,-41 0 0,-9-10-16</inkml:trace>
+  <inkml:trace contextRef="#ctx0" brushRef="#br0" timeOffset="43872.35">19000 10795 0,'-10'-30'16,"10"20"-1,-9-9-15,-1-21 16,0 20 0,0 10-16,-50-10 15,40 20 1,-29 30 0,39-10-1,40 49 1,19-29-1,31 10 1,-51-31 0,-9 1-16,0 20 15,-20-20 1,0-10-16,-59 10 16,9-20-1,-49-40 1,89 20-1</inkml:trace>
+  <inkml:trace contextRef="#ctx0" brushRef="#br0" timeOffset="44087.48">19129 10646 0,'0'0'0,"20"-20"16,0 1-1,-20 28 1,0 51-1,0-30 1,10 0-16,0 89 16,0-10-1,-10-79 1,-20 59 0,20-79-16</inkml:trace>
+  <inkml:trace contextRef="#ctx0" brushRef="#br0" timeOffset="44421.76">19119 10974 0,'0'-30'16,"0"60"-16,70-159 31,-60 119-15,69 10 0,40 69 15,-99-39-16,-10-10-15,-40 49 32,-39-79-1,69 0-15,40-59-1,79-10 16,-60 79 1,-69 10-17</inkml:trace>
+  <inkml:trace contextRef="#ctx0" brushRef="#br0" timeOffset="44925.6">20062 10676 0,'0'0'0,"-20"-20"15,10 20 1,-10 20 0,20-10-1,-10 89 1,10-79 0,40 69-1,40-39 16,-51-50-15,-9-10-16,50-50 16,-31-138 15,-39 158-31,-39-19 31,19 98-15,-20 140-1,40-129 1,-10-11-16,10 80 16,20-69-1</inkml:trace>
+  <inkml:trace contextRef="#ctx0" brushRef="#br0" timeOffset="45180.79">20469 10805 0,'0'0'16,"-10"0"-16,0 0 0,20-10 47,0 10-32,49 0 1,-19 0 0,-20 0-1,-10 0-15</inkml:trace>
+  <inkml:trace contextRef="#ctx0" brushRef="#br0" timeOffset="45561.91">20905 10696 0,'0'0'0,"-29"-40"31,19 30-15,0 0-16,-30 10 15,30 0 1,-30 30 0,40-20-16,20 69 31,129 70 0,-139-129-15,10 10-1,-30-30-15,-99-10 32,0-30-1</inkml:trace>
+  <inkml:trace contextRef="#ctx0" brushRef="#br0" timeOffset="46089.56">21104 10557 0,'0'0'0,"10"-40"15,-20 110 17,-10 138-1,20-158-31,0 99 31,0-100 0,0-69-15,0-59 0,0 49-16,20-99 31,49 60 0,11 128 0,-51 11 1,-29-60-32,-19 0 15,-21-1 1,20-9-16,0-29 31,119-61 0,-79 80-15,50 1 0,-60 18-1</inkml:trace>
+  <inkml:trace contextRef="#ctx0" brushRef="#br0" timeOffset="46242.53">21530 10855 0,'0'0'0,"-19"29"31,19-39-15</inkml:trace>
+  <inkml:trace contextRef="#ctx0" brushRef="#br0" timeOffset="65257.52">9287 8721 0,'0'0'0,"0"-10"16,-10 1-1,-20-1 1,-19 10 15,-31 39 0,60-29-31,1 0 16,-61 50 0,-128 89 15,-80 128 0,80 31 0,19-1 1,159-257-32,1 0 15,-11 69 1,30-80-16,0 90 31,40-69 0,-20-60 1,10 0 15,89 0-16,139 0 0,169 0 0,-318 10-31,0-10 16,338 10 15,-308-20 0,-129 0-15,-10 10 0,-20-10-1,10 10 17,10-10-1,10-10 16,-20-39-16,20 39-31,0-59 31,80-31 0,-51 91-31,160-41 32,-140 50-32,170-30 31,-170 40-31,41-10 16,49 60 15,-90-744-16,-29 1487 1,-10-773-16,20 89 31,9-19 1,-29-71-32,0 31 31,-10-20 0,-10-30 0,0-10 1,10 0-1,10 10-31,40-10 31,208 0 0,-179 10-31,249 0 32,79 10-1,-338-10-31,0 10 0,-19-10 15,109 0 17,-149 0-1,-20 0 0,30 0 0,-1-10 1,-19-20-1,0-29 0,10 9-15,90-69 15,158 10 0,-199 99-31,269-20 32,-31 70-1,-237-30-31,138 69 31,-39-704 0,-119 1439-15,-30-725 15,-30-49 0,10-40-31,0 0 32,10-10 15,30-20-16,-11 20-31,100-10 31,100 10 0,108 30 1,60 20-1,-317-30-31,207 10 31,1 9 0,-228-29-31,69 0 32,-89-10-1,-20 1 0,0-21 0,-1 20-31,1-60 32,0-98-1,0-11 0,-20-9 0,0 148-31,-29-99 32,19 109-32,-69-69 31,-60 20 0,40 29 0,-1 0 1,81 50-32,-41-19 31,60 9-31,-39 0 31,-11-10 0,50 20-31,-10 0 16,-99-20 15,10 10 0,0 0 1,89 10-32,10 0 0,-39-10 31,19-10 0,30 11-31,10-21 31,0-69 1,-30-40-1,-69-30 0,49 129-31,-119-99 31,10 40-15,-178-50 15,-100 70 1,338 69-32,-90 0 15,-277-20 16,0 11 1,19 9-1,358 10-31,-239 19 31,-89 41 0,139 19 1,30 31-1,189-91-31,-170 71 16,170-70-1,-140 49 1,150-49-1,-120 39 17,99-39-17,40-10-15,-29 40 32,59-21-1,0-29-31</inkml:trace>
+  <inkml:trace contextRef="#ctx0" brushRef="#br0" timeOffset="66173.77">14307 9595 0,'10'0'0,"-20"0"0,30 0 16,10-30-1,-20-20 17,-20 40-17,-10 0-15,-59 0 16,29 10-1,10 10-15,-168 70 16,69 138 15,139-168-15,89 148 0,-39-148-1,208 69 1,-179-109-1,11-10-15,237-100 16,-257 61 0,128-170-1,-228-29 32,-238 99-31,209 129-1,-140 0 1,170 80 15</inkml:trace>
+  <inkml:trace contextRef="#ctx0" brushRef="#br0" timeOffset="66630.06">14119 9793 0,'-10'-10'31,"20"20"-31,89-50 32,-49 40-32,-1-10 0,150-9 31,9 19-16</inkml:trace>
+  <inkml:trace contextRef="#ctx0" brushRef="#br0" timeOffset="66833.42">14039 9902 0,'30'20'32,"-60"-40"-32,308 50 31,-208-30-31,158 0 16</inkml:trace>
+  <inkml:trace contextRef="#ctx0" brushRef="#br0" timeOffset="66953.69">14317 9991 0,'50'10'31,"-100"-20"-31,159 30 0,130 0 16</inkml:trace>
+  <inkml:trace contextRef="#ctx0" brushRef="#br0" timeOffset="68227.42">10071 10200 0,'0'0'0,"-50"-50"15,30 40-15,-129 0 31,60 199 1,89-120-17,70 189 1,148-39 15,-149-200-15,-9-9-16,198-69 15,-199 19 1,60-218 0,-119 169-1,-109-189 1,50 238 0,-11 20-16,-178 50 15,169 10-15</inkml:trace>
+  <inkml:trace contextRef="#ctx0" brushRef="#br0" timeOffset="68832.45">12720 10358 0,'0'0'0,"10"-39"16,-10 19-16,-30-30 31,-10 60-16,-89 109 1,0 149 15,129-208-15,109 99 0,169-150 15,-228-28-16,0-21-15,69-119 16,-169-198 15,0 307-31,-9 1 16,-150-11 0,140 60-16</inkml:trace>
+  <inkml:trace contextRef="#ctx0" brushRef="#br0" timeOffset="69793.81">12432 8622 0,'0'-40'15,"0"80"-15,-30-119 31,20 89-31,-19 109 32,-1 169-1,0-1 0,30-128 0,0-149-31,129-40 32,179-49-1,-229 69-31,219 30 31,-229-10-31,120 29 31,-169-29-31,19-10 32,-29 0-32,-10-20 31,0-19 0,10 19-31,-10-89 16,-30-90 31,20 150-47,-89-130 15,59 139 1,-198-99 0,179 120-1,-249-21 16,80 70 1,139-10-17</inkml:trace>
+  <inkml:trace contextRef="#ctx0" brushRef="#br0" timeOffset="71164.96">11886 8523 0,'0'0'0,"-19"-30"15,9 30 1,-10 20-1,20 10 1,-10 178 0,10 70 15,0-228-15,0 98-1,0-128 1,0 30-1,0-60 17,-10 0-17,-20-30 1,10 30 0,-59 0-1,-129 1 16,148 9-15,-257 0 0,227 0-1,1 0-15,-248 0 16,59 0 31,238 0-47,-59 0 15,89 0 1,-10 0 0,40-30 15,-20 20-15,10-10-16,0-30 15,-10 21 1,10-110-1,0 99 1,0-10-16,89-158 16,-59 158-1,188-69 1,-139 100 0,298 9-1,-288 10 1,219 0-1,-259 0 1,-19 10-16,19-10 16,-49 0-16,-10 10 15,0 19 1,0-19 0,0 40-1,0-40 1,0 19-1,10-19 17,0-10-17,-10-10 1</inkml:trace>
+  <inkml:trace contextRef="#ctx0" brushRef="#br0" timeOffset="88597.14">4286 10706 0,'0'0'0,"10"10"0,10 39 32,-10 100-1,-10-99-31,-20 168 31,0 80 0,0-50 1,10-129-1,1-60 0,9-39 0,0-30 1,79 0-1,367-19 0,-227 9-15,118 0-1,50 10 17,-278 0-1,-119 10-15,-20 10-1</inkml:trace>
+  <inkml:trace contextRef="#ctx0" brushRef="#br0" timeOffset="89027.09">5755 11648 0,'-10'0'0,"20"0"0,-30 10 15,10-10-15,0 10 32,20-10-1,20 0 0,39 10 0,11 20 1,-51 49-1,-118 40 0,0-59-15</inkml:trace>
+  <inkml:trace contextRef="#ctx0" brushRef="#br0" timeOffset="90924.02">6777 11033 0,'19'-30'16,"-19"70"15,-9-20-15,-31 99 0,30-89-1,-30 99 1,30-109-1,-9 39 1,28-69 15,-9 0-15,30-89 0,-20 69-1,40-119 1,-40 120-1,59-51 1,-49 70 0,49 40 15,1 109 0,-60-109-31,29 79 16,-29-89-1,10 39 1,-20-49 0</inkml:trace>
+  <inkml:trace contextRef="#ctx0" brushRef="#br0" timeOffset="91204.75">6846 11222 0,'0'0'0,"-20"0"16,10 0-16,-19-10 15,78 0 17,-29 10-17,109-10 1,-99 10-1,9 0-15,41-10 16,-60 10 0,-10 0-16,0 0 15,-20 0 1</inkml:trace>
+  <inkml:trace contextRef="#ctx0" brushRef="#br0" timeOffset="91964.76">8195 11103 0,'0'-10'15,"0"20"-15,10 0 31,-10-1-15,0 1-16,10 60 16,0-40-1,10 69 1,-10-50 15</inkml:trace>
+  <inkml:trace contextRef="#ctx0" brushRef="#br0" timeOffset="92655.04">8186 11202 0,'0'0'0,"-10"-40"16,0 20-16,10-29 15,0 39 1,0-10-16,426 60 109,-426-11-93,-69 41-1,-10-30 17,69-40-32,0 0 15,-10-10 1,40-20 15,-10 30-31,0-10 16,59 0-1,10 50 17,-69-20-17,0-11-15,0 51 16,-40 39 15,10-89-31,11 10 16,-61 10-1,50-30 1,-49-10 0,49 0-1,10 0-15,-10 10 0,10-10 16,0 0 0,10 0-16,-10 10 15,10-10 48</inkml:trace>
+  <inkml:trace contextRef="#ctx0" brushRef="#br0" timeOffset="93716.45">10100 11132 0,'10'-19'31,"-39"-1"1,-90 20-1,79 10-31,-79 39 31,69 110 0,60-139-15,149 89 15,-119-109-31,-1 0 16,80-10-1,-89 10-15,10-20 16,9 0 15</inkml:trace>
+  <inkml:trace contextRef="#ctx0" brushRef="#br0" timeOffset="95010.09">11648 11103 0,'0'0'0,"20"-20"15,-10 20-15,30-30 32,-40 20-32,0 0 15,-60-29 17,-69 29-1,40 39 0,99 31-15,10-50-1,99 49 17,40 21-1,-130-60-31,21 39 31,-50-39-31,-40 39 16,10-49-1,-128 20 1,128-30 0,-69-30 15,59-19 0</inkml:trace>
+  <inkml:trace contextRef="#ctx0" brushRef="#br0" timeOffset="96645.01">6925 11678 0,'0'-10'15,"0"0"17,0 0-17,0 30 32,0-10-31,10 79-1,-10-59 1,0 0-16,0 10 0,10 99 31,-10-110-15,0-9-16,0 10 0,10-10 16,-10-10-16,0 0 0,0 0 15,0-1 1,0-18-1,-10-31 1</inkml:trace>
+  <inkml:trace contextRef="#ctx0" brushRef="#br0" timeOffset="97030.8">6787 12115 0,'0'-10'0,"-10"10"32,20 0-17,-1 0-15,21 20 16,0-1 0,10 21-1,-11-20 1,21 0-1</inkml:trace>
+  <inkml:trace contextRef="#ctx0" brushRef="#br0" timeOffset="97306.35">7154 12085 0,'-20'20'31,"-50"19"1,-9 11-1,39-20-15,11 10 15,38-50 31</inkml:trace>
+  <inkml:trace contextRef="#ctx0" brushRef="#br0" timeOffset="97906.47">8463 11767 0,'0'0'0,"0"-10"16,0 1-1,10 9 1,-10 59 15,0 70 1,0-99-32,0-10 15,0 89 16,0-60 1</inkml:trace>
+  <inkml:trace contextRef="#ctx0" brushRef="#br0" timeOffset="98120.75">8354 12105 0,'-10'-10'32,"20"20"-32,-10-20 31,10 10-31,40 10 31,-1 0-15,-19-10-1</inkml:trace>
+  <inkml:trace contextRef="#ctx0" brushRef="#br0" timeOffset="98413.35">8682 12095 0,'0'0'0,"-10"-10"31,0 10-31,-40 20 32,-19 19-1,59-29-31,-20 20 31,10-10 0,10-10 1,10-20-32</inkml:trace>
+  <inkml:trace contextRef="#ctx0" brushRef="#br0" timeOffset="98947.18">9922 11847 0,'0'0'15,"0"-10"-15,0 0 32,0 0-1,0 20-31,20 69 31,-10 60 0,0 0 1,-10-69-1,0-60-31</inkml:trace>
+  <inkml:trace contextRef="#ctx0" brushRef="#br0" timeOffset="99190.72">9862 12184 0,'0'0'15,"-10"0"-15,0 0 16,20 0 15,-10 10-15,40 30-1,-30-20 1,10-10-16,29 19 16,-39-29-1</inkml:trace>
+  <inkml:trace contextRef="#ctx0" brushRef="#br0" timeOffset="99422.78">10061 12254 0,'10'-10'15,"-20"20"-15,40-50 16,-30 30-16,0 0 31,-10 20 0,-10 30 1,10-20-17,0-11-15,-30 21 16,30-20-1,-19 10 1,29-30 15</inkml:trace>
+  <inkml:trace contextRef="#ctx0" brushRef="#br0" timeOffset="102375.43">11678 11688 0,'0'0'0,"10"0"31,-10 10-31,10 0 16,20 69 0,-30-59-1,10 99 1,-10-99-1,-10 69 1,10-79-16,-10 10 16</inkml:trace>
+  <inkml:trace contextRef="#ctx0" brushRef="#br0" timeOffset="102714.85">11579 11986 0,'0'0'0,"10"0"31,0 0-15,-10 10-16,39 19 15,-19 1 1,20 10-1,-20-10 1,10 9 0,9-59 15,-19-734-15,30 1469-1,-21-745 16,-29 20-15,-19 30 15,9-20-15,-50 30 0,40-20-16</inkml:trace>
+  <inkml:trace contextRef="#ctx0" brushRef="#br0" timeOffset="116295.97">6975 12015 0,'-10'20'16,"20"-40"-16,-20 149 15,20-79-15,40 148 32,79-29-1,79-89 0,149-51 0,-258-29-31,467-10 32,59-29-1,30-21 0,-566 40-15,10 0-16,169-59 15,-178 49 1,-11 1-16,110-41 16,-100 30-1,30 1 1,-79 29 0,148-10-1,60 50 16,-159 9-15,-49-19-16,39 50 16,-9 39 15,-60-99-15,10 10-16,19-1 15,41-19 16,49-59 1,99-50-1,-178 89-15,128-59-1,-39-11 16,-79-9 1,-51 79-32,-9 10 15,10-39 1,-10 39-16,-10-20 31,-9 20 0,19 0-31,10 10 47</inkml:trace>
+  <inkml:trace contextRef="#ctx0" brushRef="#br0" timeOffset="116980.85">12769 12273 0,'-19'-19'31,"38"38"-31,-38 11 31,-21 139 1,-49 19-1,29-78 0,40-120 0,20-10-31,70-159 32,59-79-1,-100 219-31,71-31 31,-21 179 0,-59 129 1,-10-198-32,10 129 31,-20-140-15,0-19-16</inkml:trace>
+  <inkml:trace contextRef="#ctx0" brushRef="#br0" timeOffset="117660.05">12690 12551 0,'0'0'0,"-69"-30"31,59 30-31,69-29 31,130-1 0,-21-20 1,-108 1-1,-60 39-31,0 0 16,30 40 15,-30-20-31,29 128 31,-19 11 0,-10-59 1,-10-80-1,10-20-31,0-90 31,10-158 0,20 100 1,40 98-1,-60 60-31,69 40 31,-20 109 0,-108-70 1,-60-59-1,39-70 0,100 1-15</inkml:trace>
+  <inkml:trace contextRef="#ctx0" brushRef="#br0" timeOffset="117979.04">13484 12333 0,'0'0'0,"40"-50"32,-31 50-32,1-10 15,30 20 17,-40 109-1,0 70 0,0-149-31,0-11 16,10 100 15,0-129-31,-10-10 31,0-39-31</inkml:trace>
+  <inkml:trace contextRef="#ctx0" brushRef="#br0" timeOffset="122244.56">8047 13037 0,'0'0'0,"29"-59"31,-29 29-31,10-29 31,-109 78 0,-109 130 1,79 60-1,168-51 0,210-187 0,-41-150 1,-129 30-1,-99 139 0,-29 119 0,39-69-31,0 99 32,79-99-1,-49-40-31,70-90 31,-41-39 0,-108 129 1,-1 30-1,100-40 0,-30 0-31,99-39 31,-50 39 1,-49 40-17,0 99 16,0-90 1,30-88-1,-20 29-31,69-89 31,-10 99 0,-79 159 1,0-120-32,40 41 31,49-150 0,-9-158 0,-70 189-31,19-70 32,-58 198-1,29-20-15,0-19-16,19 109 31,11-70-31</inkml:trace>
+  <inkml:trace contextRef="#ctx0" brushRef="#br0" timeOffset="122917.08">8940 13236 0,'0'-89'32,"0"178"-32,10-188 0,69 59 31,-59 40-31,109 20 31,-99-10-31,39 89 31,-109 0 1,1-129-1,128-109 0,89 60 0,-58 89 1,-111 0-1,-9-40 0,-138 189 63,167-100-63,31-118 0,19-60 1,-59 99-32,50-734 31,-61 1607 0,-9-754 0</inkml:trace>
+  <inkml:trace contextRef="#ctx0" brushRef="#br0" timeOffset="123217.18">10081 13087 0,'0'0'0,"10"0"16,-90 0 31,1 20-16,69-10-31,-10 69 31,20-59-31,0 0 0,69 29 31,90-88 1,-69-41-17</inkml:trace>
+  <inkml:trace contextRef="#ctx0" brushRef="#br0" timeOffset="123372.88">10289 12948 0,'0'0'0,"0"-59"16,-20 9 15,-10 189 1,50 59-1,0-108-16</inkml:trace>
+  <inkml:trace contextRef="#ctx0" brushRef="#br0" timeOffset="123499.1">10249 13166 0,'50'-69'31,"-100"138"-31,308-178 31,-208 109-31</inkml:trace>
+  <inkml:trace contextRef="#ctx0" brushRef="#br0" timeOffset="123889.89">7362 13653 0,'0'0'0,"-50"19"32,120-29-32,29 1 15,883-81 17,-704 70-32,1201-9 31,-636 29 0</inkml:trace>
+  <inkml:trace contextRef="#ctx0" brushRef="#br0" timeOffset="127739.78">15696 8473 0,'0'0'0,"-39"-69"31,-100 228 1,50-50-17,49-40-15,-178 259 31,158-239-31,-188 278 32,129-208-1,109-139-31,10-30 31,10 0-31,30-60 16</inkml:trace>
+  <inkml:trace contextRef="#ctx0" brushRef="#br0" timeOffset="128077.42">14803 9416 0,'0'-10'16,"0"0"15,0 20 0,0 0-31,0 0 16,0 39 0,0-29-1,0 80 1,0-81-1,20 51 1,40-50 15,148-120 1</inkml:trace>
+  <inkml:trace contextRef="#ctx0" brushRef="#br0" timeOffset="129980.62">17383 10825 0,'0'0'0,"-10"0"16,10 10 31,50-10-16,-11 0-15,-9 0-16,119-10 15,-89 0 1,-21 0-16</inkml:trace>
+  <inkml:trace contextRef="#ctx0" brushRef="#br0" timeOffset="130374.61">19616 11172 0,'0'0'16,"9"-10"-16,21 10 0,228 0 31,-159 10-16,11 0-15</inkml:trace>
+  <inkml:trace contextRef="#ctx0" brushRef="#br0" timeOffset="139457.6">9356 7680 0,'-10'-30'32,"0"0"-1,10 20 0,-9 10 32,-1-10-32,0 10 0,10-10 0,-10 10 16,20 0 453,-20 0-297,-20 10-187,-29 20 0,-21 39-1,-49 140 17,139-11-1,20-178-31,248 0 31,-60-99 0,-198 59-31,-40-30 32</inkml:trace>
+  <inkml:trace contextRef="#ctx0" brushRef="#br0" timeOffset="139928.85">9634 7729 0,'0'0'0,"-10"-30"15,0 21 1,0 68 15,0-39-31,10 0 16,-9 49 0,9-49-16,69 49 31,-49-69-16,0 0-15,59-19 16,20-130 15,-89 109-15,0 10-16,0-39 16,-30 128 15,10 11-16,20 89 1,20-20 15,-20-120-31</inkml:trace>
+  <inkml:trace contextRef="#ctx0" brushRef="#br0" timeOffset="140218.7">10269 7630 0,'0'0'16,"30"-40"-1,-30 30 1,-50 20 0,30 0-16,-89 80 31,109 58 0,20-128-31,89 50 31,-69-70-31,0 0 0,-1-10 16,90-119 15</inkml:trace>
+  <inkml:trace contextRef="#ctx0" brushRef="#br0" timeOffset="156185.74">8781 7719 0,'0'0'0,"-119"60"31,99-30-15,0 19-16,10 11 0,0-1 15,50 209 1,-10-208 0,228 108-1,-80-148 1</inkml:trace>
+  <inkml:trace contextRef="#ctx0" brushRef="#br0" timeOffset="156687.1">10448 7471 0,'0'-20'0,"10"1"15,-20 58-15,30-98 0,-1 49 0,11-10 16,79 20-1,-59 30-15,-10 9 16,-30 378 15,-159-238-15</inkml:trace>
+  <inkml:trace contextRef="#ctx0" brushRef="#br0" timeOffset="178392.26">7293 7590 0,'-10'-20'32,"-30"30"-17,20 0-15,-29 20 16,-51 109 15,130 30 0,20-140-15,89-48 15,-120-11-31,1 10 16,10-109 0,-99 20 15,-11 89 0</inkml:trace>
+  <inkml:trace contextRef="#ctx0" brushRef="#br0" timeOffset="178671.91">7362 7690 0,'0'0'0,"-30"-10"31,30 0-31,0 0 16,80-60-1,168-49 16,-40 30 1,-188 69-17</inkml:trace>
+  <inkml:trace contextRef="#ctx0" brushRef="#br0" timeOffset="179057.53">7888 7253 0,'-20'-50'31,"10"50"-31,40 50 0,-70-100 16,30 60-16,-29 40 15,29-20 1,-10 89 0,79 0 15,-39-109-31,79-10 31,-79-10-31,0-10 16,0-40-1,-20 41-15,-89-101 32,19 111-17,11 9-15</inkml:trace>
+  <inkml:trace contextRef="#ctx0" brushRef="#br0" timeOffset="179398.96">7352 7908 0,'0'0'0,"-30"-20"16,100 70 15,128 19 0,-148-49-15,79 20-1,-109-31 1,0-9-16</inkml:trace>
+  <inkml:trace contextRef="#ctx0" brushRef="#br0" timeOffset="179773.77">7898 8027 0,'0'0'0,"0"-10"15,-20 0 1,10 10 0,-40 10-1,31 0 1,9 0-16,-10 49 15,20-39 1,49 60 0,130-51 15,-149-39-15,0-9-16,29-41 15,-59 10 1,-69-19-1,-21 39 1,31 20-16</inkml:trace>
+  <inkml:trace contextRef="#ctx0" brushRef="#br0" timeOffset="180629.5">6519 7332 0,'0'0'0,"29"-29"16,-19 29 0,20 69-1,-20-39 1,-10 19-16,-10 120 15,-39 188 17,39-297-32,10 9 15,-10 140 1,20-170 0,19 61-1,-19-81 1,109-9-1,298-30 17,-298 20-17,20 10-15,298 30 16,-298-30 0,-11 10-16,190 0 15,-199-20 1,-89-10-16,-70-50 15</inkml:trace>
+  <inkml:trace contextRef="#ctx0" brushRef="#br0" timeOffset="181139.68">6548 7332 0,'0'0'0,"-69"-10"15,39 0-15,10-19 16,40 19-1,208-30 1,-128 30 0,356-10-1,149 60 17,-188 79-1,-377-79-31,-11-1 15,-88 269 17,39-248-32,-10-1 15,-29 130 1,49-120-16,10 179 31,-10-139-15,0-59-16,-169 89 31</inkml:trace>
+  <inkml:trace contextRef="#ctx0" brushRef="#br0" timeOffset="181743.51">6866 6826 0,'0'0'0,"0"-20"16,-10-19 0,10 19 15,-10 30-31,-20 69 31,20-49-31,0-10 16,1 10-16,-11 39 15,20-39 1,-10-20 15,59-139 0,-29 89-31,89-129 32,-69 159-17,39 189 17,-59 39-1,-20-188-31</inkml:trace>
+  <inkml:trace contextRef="#ctx0" brushRef="#br0" timeOffset="182289.58">6916 6995 0,'-10'-20'0,"20"40"0,-30-70 15,20 31-15,0 9 0,29-20 31,150 30 1,-80 0-1,-59-50 0,-40 80 0,10 109 1,0-10-1,-20-109 0,0-179 0,30-69 1,59 129-1,50 188 0,-139-10 0,-168-29 1,148-50-32,-20-10 0</inkml:trace>
+  <inkml:trace contextRef="#ctx0" brushRef="#br0" timeOffset="182477.08">7620 6707 0,'69'-10'32,"-138"20"-32,158-10 0,-39 70 31,-40-41-31,-10 160 31,-30-80-31</inkml:trace>
+  <inkml:trace contextRef="#ctx0" brushRef="#br0" timeOffset="183707.17">5288 7541 0,'-10'0'15,"1"0"1,138 39 15,-20-29-15,188-30 15,-247 20-31,49-39 16</inkml:trace>
+  <inkml:trace contextRef="#ctx0" brushRef="#br0" timeOffset="183960.71">5735 7352 0,'367'228'110,"-734"-456"-110,764 486 15,-477-89 17,11-139-32</inkml:trace>
+  <inkml:trace contextRef="#ctx0" brushRef="#br0" timeOffset="185087.41">5586 8027 0,'0'0'0,"0"-10"16,0 0-16,-10 0 0,-10-20 31,-10 70 0,21-20-31,-1 10 0,-10-1 16,-89 130 15,109-70 0,20-79-31,99 40 32,0-40-17</inkml:trace>
+  <inkml:trace contextRef="#ctx0" brushRef="#br0" timeOffset="185290.09">5457 8205 0,'40'-39'31,"-80"78"-31,427-78 31,-288 39-31,278-10 32,-258 0-32</inkml:trace>
+  <inkml:trace contextRef="#ctx0" brushRef="#br0" timeOffset="194980.46">7372 6181 0,'-10'-10'0,"-10"1"0,50 28 0,-80-38 15,11 9-15,-110 20 16,89-1 0,-9 11-16,-169 80 15,168-41 1,1 1-16,-80 158 15,119-139 1,20 11-16,50 177 16,109-9-1,-70-188 1,288 99 0,-258-160-16,1-9 15,237-99 1,-228 50-16,238-259 31,-258 120-15,-148-180-1,-11 299 1,-406-139 0,307 188-1,-10 10-15,-158 20 16</inkml:trace>
+  <inkml:trace contextRef="#ctx0" brushRef="#br0" timeOffset="197137.23">6132 7124 0,'0'0'0,"-30"-10"16,-168 0 0,-130 159 15,269-99-15,19 9-16,-39 110 15,198 49 16,0-168-15,129-21 0,99-148 15,-307 60-31,-21-219 31,-296 0 0,187 258-31,-98 30 16</inkml:trace>
+  <inkml:trace contextRef="#ctx0" brushRef="#br0" timeOffset="197809.79">6122 7977 0,'0'0'0,"-50"-89"31,20 69-31,-9 10 16,-299 50 15,140 168 0,277 60 0,-19-218-31,337 49 32,-10-238-1,-298 20-16,-89-79 1,-397-31 15,-49 249-15</inkml:trace>
+  <inkml:trace contextRef="#ctx0" brushRef="#br0" timeOffset="202079.01">10468 7372 0,'0'0'0,"-30"-69"15,-129-60 17,50 89-17,39 30-15,-168-10 16,60 20-1,-338 99 17,69 189-1,378-209-31,-90 348 31,278-60 0,-59-307-31,19-11 16,199 41 0,377-130 15,-506 10-31,-1-19 0,408-190 31,-149-187 0,-377 337-15,-90-259 0,-426 110 15,20 218-15</inkml:trace>
+  <inkml:trace contextRef="#ctx0" brushRef="#br0" timeOffset="207942.39">13643 8265 0,'0'0'0,"0"-60"16,-20 60 15,20 10-15,10 80-1,-10-61 1,0 81-1,0-81 1,0-9-16,-20 10 16,10-90 15,0 21-15,10-140-1,0 130 1,10 9-16,20-59 15,79 39 17,-79 60-17,39 30 1,-69 59 15,-20-69-15,-69 49-1,39-9 17,60-50-17,60 40 1,39 19 15,-99-49-31,-40 20 31,-30-31-15,31-9-16,-41-9 16,11-11-1,19-20 1,40 30-16</inkml:trace>
+  <inkml:trace contextRef="#ctx0" brushRef="#br0" timeOffset="208437.91">14039 8126 0,'20'-10'0,"0"10"15,-60 10-15,90-20 0,-50 30 32,0-10-17,20 89 1,-10 70 15,-10-139-31,0-11 16,0 41-1,-10-60 1,10-10 0,0-69-1,0-1 1,0-108-1,10 39 17,0 139-17,49 20 1,-49 10 0,50 59-1,-60-59-15,0 0 16,-60 20-1,30-31-15,-49-18 32,79-11-17,10 10-15</inkml:trace>
+  <inkml:trace contextRef="#ctx0" brushRef="#br0" timeOffset="208838.55">14436 8017 0,'10'0'15,"-20"0"-15,30 10 0,-20 0 16,0 0-16,0 0 16,0 0-16,0 49 15,0-39-15,0 10 16,0 69 0,10-59-16,-10 79 31,0-109-16,0-10 1,0-10 0,10-99-1,0 19 1,0 41-16,39-140 31,-39 169-15,50 30-1,-10 89 1,-31-49 0,21 158-1,-40-168 1,-30 99 0,10-119-16</inkml:trace>
+  <inkml:trace contextRef="#ctx0" brushRef="#br0" timeOffset="209010.58">14466 8285 0,'0'-30'0,"0"60"0,0-80 0,0 40 16,20 10 0,-10 0-1,79 20 1,-19-10-1,-1-20 1</inkml:trace>
+  <inkml:trace contextRef="#ctx0" brushRef="#br0" timeOffset="209299.79">14794 7868 0,'0'0'0,"0"-10"16,19 40-1,21 29 1,79 140 0,-89-130-1,10 189 1,-60-208-1,-189 89 1,120-119 0,0-20-16</inkml:trace>
+  <inkml:trace contextRef="#ctx0" brushRef="#br0" timeOffset="209618.84">13305 7809 0,'0'0'0,"20"-20"0,0 0 15,-30 50 1,-30 99 0,20-70-1,1 11-15,38 237 16,11-237 0,218 128-1,-149-168 1,1-20-16</inkml:trace>
+</inkml:ink>
 </file>
 
 <file path=ppt/notesMasters/notesMaster1.xml><?xml version="1.0" encoding="utf-8"?>
@@ -410,7 +554,7 @@
           <a:p>
             <a:fld id="{D976A73D-237B-4034-AB8C-962174A8D351}" type="datetimeFigureOut">
               <a:rPr lang="en-US" smtClean="0"/>
-              <a:t>7/16/2025</a:t>
+              <a:t>7/17/2025</a:t>
             </a:fld>
             <a:endParaRPr lang="en-US"/>
           </a:p>
@@ -1112,7 +1256,7 @@
             <a:fld id="{1D8BD707-D9CF-40AE-B4C6-C98DA3205C09}" type="datetimeFigureOut">
               <a:rPr lang="en-US" smtClean="0"/>
               <a:pPr/>
-              <a:t>7/16/2025</a:t>
+              <a:t>7/17/2025</a:t>
             </a:fld>
             <a:endParaRPr lang="en-US"/>
           </a:p>
@@ -4475,7 +4619,7 @@
           <a:p>
             <a:fld id="{940CB006-912F-44E1-9560-9CBFEBE946EF}" type="datetime4">
               <a:rPr lang="en-US" smtClean="0"/>
-              <a:t>July 16, 2025</a:t>
+              <a:t>July 17, 2025</a:t>
             </a:fld>
             <a:endParaRPr lang="en-US"/>
           </a:p>
@@ -17395,7 +17539,7 @@
             </a:pPr>
             <a:r>
               <a:rPr lang="en-IN" sz="1400" dirty="0"/>
-              <a:t>Servers as single entry point for different business objects (</a:t>
+              <a:t>Serves as single entry point for different business objects (</a:t>
             </a:r>
             <a:r>
               <a:rPr lang="en-IN" sz="1400" dirty="0" err="1"/>
@@ -17408,6 +17552,57 @@
           </a:p>
         </p:txBody>
       </p:sp>
+      <mc:AlternateContent xmlns:mc="http://schemas.openxmlformats.org/markup-compatibility/2006">
+        <mc:Choice xmlns:p14="http://schemas.microsoft.com/office/powerpoint/2010/main" Requires="p14">
+          <p:contentPart p14:bwMode="auto" r:id="rId2">
+            <p14:nvContentPartPr>
+              <p14:cNvPr id="6" name="Ink 5">
+                <a:extLst>
+                  <a:ext uri="{FF2B5EF4-FFF2-40B4-BE49-F238E27FC236}">
+                    <a16:creationId xmlns:a16="http://schemas.microsoft.com/office/drawing/2014/main" id="{041DBB55-9C53-C9D3-4358-E898124DE864}"/>
+                  </a:ext>
+                </a:extLst>
+              </p14:cNvPr>
+              <p14:cNvContentPartPr/>
+              <p14:nvPr/>
+            </p14:nvContentPartPr>
+            <p14:xfrm>
+              <a:off x="860760" y="2150280"/>
+              <a:ext cx="6890400" cy="2772000"/>
+            </p14:xfrm>
+          </p:contentPart>
+        </mc:Choice>
+        <mc:Fallback>
+          <p:pic>
+            <p:nvPicPr>
+              <p:cNvPr id="6" name="Ink 5">
+                <a:extLst>
+                  <a:ext uri="{FF2B5EF4-FFF2-40B4-BE49-F238E27FC236}">
+                    <a16:creationId xmlns:a16="http://schemas.microsoft.com/office/drawing/2014/main" id="{041DBB55-9C53-C9D3-4358-E898124DE864}"/>
+                  </a:ext>
+                </a:extLst>
+              </p:cNvPr>
+              <p:cNvPicPr/>
+              <p:nvPr/>
+            </p:nvPicPr>
+            <p:blipFill>
+              <a:blip r:embed="rId3"/>
+              <a:stretch>
+                <a:fillRect/>
+              </a:stretch>
+            </p:blipFill>
+            <p:spPr>
+              <a:xfrm>
+                <a:off x="851400" y="2140920"/>
+                <a:ext cx="6909120" cy="2790720"/>
+              </a:xfrm>
+              <a:prstGeom prst="rect">
+                <a:avLst/>
+              </a:prstGeom>
+            </p:spPr>
+          </p:pic>
+        </mc:Fallback>
+      </mc:AlternateContent>
     </p:spTree>
     <p:extLst>
       <p:ext uri="{BB962C8B-B14F-4D97-AF65-F5344CB8AC3E}">
